--- a/Final asignment/site_map/site_map.pptx
+++ b/Final asignment/site_map/site_map.pptx
@@ -2,7 +2,7 @@
 <file path=ppt/presentation.xml><?xml version="1.0" encoding="utf-8"?>
 <p:presentation xmlns:a="http://schemas.openxmlformats.org/drawingml/2006/main" xmlns:r="http://schemas.openxmlformats.org/officeDocument/2006/relationships" xmlns:p="http://schemas.openxmlformats.org/presentationml/2006/main" saveSubsetFonts="1">
   <p:sldMasterIdLst>
-    <p:sldMasterId id="2147483672" r:id="rId1"/>
+    <p:sldMasterId id="2147483684" r:id="rId1"/>
   </p:sldMasterIdLst>
   <p:notesMasterIdLst>
     <p:notesMasterId r:id="rId3"/>
@@ -10,13 +10,13 @@
   <p:sldIdLst>
     <p:sldId id="256" r:id="rId2"/>
   </p:sldIdLst>
-  <p:sldSz cx="12801600" cy="9601200" type="A3"/>
+  <p:sldSz cx="17068800" cy="9601200"/>
   <p:notesSz cx="9144000" cy="6858000"/>
   <p:defaultTextStyle>
     <a:defPPr>
       <a:defRPr lang="en-US"/>
     </a:defPPr>
-    <a:lvl1pPr marL="0" algn="l" defTabSz="457200" rtl="0" eaLnBrk="1" latinLnBrk="0" hangingPunct="1">
+    <a:lvl1pPr marL="0" algn="l" defTabSz="457129" rtl="0" eaLnBrk="1" latinLnBrk="0" hangingPunct="1">
       <a:defRPr sz="1800" kern="1200">
         <a:solidFill>
           <a:schemeClr val="tx1"/>
@@ -26,7 +26,7 @@
         <a:cs typeface="+mn-cs"/>
       </a:defRPr>
     </a:lvl1pPr>
-    <a:lvl2pPr marL="457200" algn="l" defTabSz="457200" rtl="0" eaLnBrk="1" latinLnBrk="0" hangingPunct="1">
+    <a:lvl2pPr marL="457129" algn="l" defTabSz="457129" rtl="0" eaLnBrk="1" latinLnBrk="0" hangingPunct="1">
       <a:defRPr sz="1800" kern="1200">
         <a:solidFill>
           <a:schemeClr val="tx1"/>
@@ -36,7 +36,7 @@
         <a:cs typeface="+mn-cs"/>
       </a:defRPr>
     </a:lvl2pPr>
-    <a:lvl3pPr marL="914400" algn="l" defTabSz="457200" rtl="0" eaLnBrk="1" latinLnBrk="0" hangingPunct="1">
+    <a:lvl3pPr marL="914257" algn="l" defTabSz="457129" rtl="0" eaLnBrk="1" latinLnBrk="0" hangingPunct="1">
       <a:defRPr sz="1800" kern="1200">
         <a:solidFill>
           <a:schemeClr val="tx1"/>
@@ -46,7 +46,7 @@
         <a:cs typeface="+mn-cs"/>
       </a:defRPr>
     </a:lvl3pPr>
-    <a:lvl4pPr marL="1371600" algn="l" defTabSz="457200" rtl="0" eaLnBrk="1" latinLnBrk="0" hangingPunct="1">
+    <a:lvl4pPr marL="1371386" algn="l" defTabSz="457129" rtl="0" eaLnBrk="1" latinLnBrk="0" hangingPunct="1">
       <a:defRPr sz="1800" kern="1200">
         <a:solidFill>
           <a:schemeClr val="tx1"/>
@@ -56,7 +56,7 @@
         <a:cs typeface="+mn-cs"/>
       </a:defRPr>
     </a:lvl4pPr>
-    <a:lvl5pPr marL="1828800" algn="l" defTabSz="457200" rtl="0" eaLnBrk="1" latinLnBrk="0" hangingPunct="1">
+    <a:lvl5pPr marL="1828515" algn="l" defTabSz="457129" rtl="0" eaLnBrk="1" latinLnBrk="0" hangingPunct="1">
       <a:defRPr sz="1800" kern="1200">
         <a:solidFill>
           <a:schemeClr val="tx1"/>
@@ -66,7 +66,7 @@
         <a:cs typeface="+mn-cs"/>
       </a:defRPr>
     </a:lvl5pPr>
-    <a:lvl6pPr marL="2286000" algn="l" defTabSz="457200" rtl="0" eaLnBrk="1" latinLnBrk="0" hangingPunct="1">
+    <a:lvl6pPr marL="2285644" algn="l" defTabSz="457129" rtl="0" eaLnBrk="1" latinLnBrk="0" hangingPunct="1">
       <a:defRPr sz="1800" kern="1200">
         <a:solidFill>
           <a:schemeClr val="tx1"/>
@@ -76,7 +76,7 @@
         <a:cs typeface="+mn-cs"/>
       </a:defRPr>
     </a:lvl6pPr>
-    <a:lvl7pPr marL="2743200" algn="l" defTabSz="457200" rtl="0" eaLnBrk="1" latinLnBrk="0" hangingPunct="1">
+    <a:lvl7pPr marL="2742772" algn="l" defTabSz="457129" rtl="0" eaLnBrk="1" latinLnBrk="0" hangingPunct="1">
       <a:defRPr sz="1800" kern="1200">
         <a:solidFill>
           <a:schemeClr val="tx1"/>
@@ -86,7 +86,7 @@
         <a:cs typeface="+mn-cs"/>
       </a:defRPr>
     </a:lvl7pPr>
-    <a:lvl8pPr marL="3200400" algn="l" defTabSz="457200" rtl="0" eaLnBrk="1" latinLnBrk="0" hangingPunct="1">
+    <a:lvl8pPr marL="3199901" algn="l" defTabSz="457129" rtl="0" eaLnBrk="1" latinLnBrk="0" hangingPunct="1">
       <a:defRPr sz="1800" kern="1200">
         <a:solidFill>
           <a:schemeClr val="tx1"/>
@@ -96,7 +96,7 @@
         <a:cs typeface="+mn-cs"/>
       </a:defRPr>
     </a:lvl8pPr>
-    <a:lvl9pPr marL="3657600" algn="l" defTabSz="457200" rtl="0" eaLnBrk="1" latinLnBrk="0" hangingPunct="1">
+    <a:lvl9pPr marL="3657030" algn="l" defTabSz="457129" rtl="0" eaLnBrk="1" latinLnBrk="0" hangingPunct="1">
       <a:defRPr sz="1800" kern="1200">
         <a:solidFill>
           <a:schemeClr val="tx1"/>
@@ -107,6 +107,11 @@
       </a:defRPr>
     </a:lvl9pPr>
   </p:defaultTextStyle>
+  <p:extLst>
+    <p:ext uri="{EFAFB233-063F-42B5-8137-9DF3F51BA10A}">
+      <p15:sldGuideLst xmlns:p15="http://schemas.microsoft.com/office/powerpoint/2012/main"/>
+    </p:ext>
+  </p:extLst>
 </p:presentation>
 </file>
 
@@ -192,7 +197,7 @@
           <a:p>
             <a:fld id="{83A79E04-B6B5-4B88-B8FF-5A30A63023A5}" type="datetimeFigureOut">
               <a:rPr lang="en-US" smtClean="0"/>
-              <a:t>8/23/2020</a:t>
+              <a:t>9/28/2020</a:t>
             </a:fld>
             <a:endParaRPr lang="en-US"/>
           </a:p>
@@ -210,8 +215,8 @@
         </p:nvSpPr>
         <p:spPr>
           <a:xfrm>
-            <a:off x="3028950" y="857250"/>
-            <a:ext cx="3086100" cy="2314575"/>
+            <a:off x="2514600" y="857250"/>
+            <a:ext cx="4114800" cy="2314575"/>
           </a:xfrm>
           <a:prstGeom prst="rect">
             <a:avLst/>
@@ -243,7 +248,7 @@
         </p:nvSpPr>
         <p:spPr>
           <a:xfrm>
-            <a:off x="914400" y="3300413"/>
+            <a:off x="914400" y="3300414"/>
             <a:ext cx="7315200" cy="2700337"/>
           </a:xfrm>
           <a:prstGeom prst="rect">
@@ -302,7 +307,7 @@
         </p:nvSpPr>
         <p:spPr>
           <a:xfrm>
-            <a:off x="0" y="6513513"/>
+            <a:off x="0" y="6513514"/>
             <a:ext cx="3962400" cy="344487"/>
           </a:xfrm>
           <a:prstGeom prst="rect">
@@ -333,7 +338,7 @@
         </p:nvSpPr>
         <p:spPr>
           <a:xfrm>
-            <a:off x="5180013" y="6513513"/>
+            <a:off x="5180013" y="6513514"/>
             <a:ext cx="3962400" cy="344487"/>
           </a:xfrm>
           <a:prstGeom prst="rect">
@@ -365,8 +370,8 @@
   </p:cSld>
   <p:clrMap bg1="lt1" tx1="dk1" bg2="lt2" tx2="dk2" accent1="accent1" accent2="accent2" accent3="accent3" accent4="accent4" accent5="accent5" accent6="accent6" hlink="hlink" folHlink="folHlink"/>
   <p:notesStyle>
-    <a:lvl1pPr marL="0" algn="l" defTabSz="1035467" rtl="0" eaLnBrk="1" latinLnBrk="0" hangingPunct="1">
-      <a:defRPr sz="1359" kern="1200">
+    <a:lvl1pPr marL="0" algn="l" defTabSz="1035110" rtl="0" eaLnBrk="1" latinLnBrk="0" hangingPunct="1">
+      <a:defRPr sz="1358" kern="1200">
         <a:solidFill>
           <a:schemeClr val="tx1"/>
         </a:solidFill>
@@ -375,8 +380,8 @@
         <a:cs typeface="+mn-cs"/>
       </a:defRPr>
     </a:lvl1pPr>
-    <a:lvl2pPr marL="517733" algn="l" defTabSz="1035467" rtl="0" eaLnBrk="1" latinLnBrk="0" hangingPunct="1">
-      <a:defRPr sz="1359" kern="1200">
+    <a:lvl2pPr marL="517556" algn="l" defTabSz="1035110" rtl="0" eaLnBrk="1" latinLnBrk="0" hangingPunct="1">
+      <a:defRPr sz="1358" kern="1200">
         <a:solidFill>
           <a:schemeClr val="tx1"/>
         </a:solidFill>
@@ -385,8 +390,8 @@
         <a:cs typeface="+mn-cs"/>
       </a:defRPr>
     </a:lvl2pPr>
-    <a:lvl3pPr marL="1035467" algn="l" defTabSz="1035467" rtl="0" eaLnBrk="1" latinLnBrk="0" hangingPunct="1">
-      <a:defRPr sz="1359" kern="1200">
+    <a:lvl3pPr marL="1035110" algn="l" defTabSz="1035110" rtl="0" eaLnBrk="1" latinLnBrk="0" hangingPunct="1">
+      <a:defRPr sz="1358" kern="1200">
         <a:solidFill>
           <a:schemeClr val="tx1"/>
         </a:solidFill>
@@ -395,8 +400,8 @@
         <a:cs typeface="+mn-cs"/>
       </a:defRPr>
     </a:lvl3pPr>
-    <a:lvl4pPr marL="1553200" algn="l" defTabSz="1035467" rtl="0" eaLnBrk="1" latinLnBrk="0" hangingPunct="1">
-      <a:defRPr sz="1359" kern="1200">
+    <a:lvl4pPr marL="1552664" algn="l" defTabSz="1035110" rtl="0" eaLnBrk="1" latinLnBrk="0" hangingPunct="1">
+      <a:defRPr sz="1358" kern="1200">
         <a:solidFill>
           <a:schemeClr val="tx1"/>
         </a:solidFill>
@@ -405,8 +410,8 @@
         <a:cs typeface="+mn-cs"/>
       </a:defRPr>
     </a:lvl4pPr>
-    <a:lvl5pPr marL="2070933" algn="l" defTabSz="1035467" rtl="0" eaLnBrk="1" latinLnBrk="0" hangingPunct="1">
-      <a:defRPr sz="1359" kern="1200">
+    <a:lvl5pPr marL="2070220" algn="l" defTabSz="1035110" rtl="0" eaLnBrk="1" latinLnBrk="0" hangingPunct="1">
+      <a:defRPr sz="1358" kern="1200">
         <a:solidFill>
           <a:schemeClr val="tx1"/>
         </a:solidFill>
@@ -415,8 +420,8 @@
         <a:cs typeface="+mn-cs"/>
       </a:defRPr>
     </a:lvl5pPr>
-    <a:lvl6pPr marL="2588666" algn="l" defTabSz="1035467" rtl="0" eaLnBrk="1" latinLnBrk="0" hangingPunct="1">
-      <a:defRPr sz="1359" kern="1200">
+    <a:lvl6pPr marL="2587774" algn="l" defTabSz="1035110" rtl="0" eaLnBrk="1" latinLnBrk="0" hangingPunct="1">
+      <a:defRPr sz="1358" kern="1200">
         <a:solidFill>
           <a:schemeClr val="tx1"/>
         </a:solidFill>
@@ -425,8 +430,8 @@
         <a:cs typeface="+mn-cs"/>
       </a:defRPr>
     </a:lvl6pPr>
-    <a:lvl7pPr marL="3106400" algn="l" defTabSz="1035467" rtl="0" eaLnBrk="1" latinLnBrk="0" hangingPunct="1">
-      <a:defRPr sz="1359" kern="1200">
+    <a:lvl7pPr marL="3105330" algn="l" defTabSz="1035110" rtl="0" eaLnBrk="1" latinLnBrk="0" hangingPunct="1">
+      <a:defRPr sz="1358" kern="1200">
         <a:solidFill>
           <a:schemeClr val="tx1"/>
         </a:solidFill>
@@ -435,8 +440,8 @@
         <a:cs typeface="+mn-cs"/>
       </a:defRPr>
     </a:lvl7pPr>
-    <a:lvl8pPr marL="3624133" algn="l" defTabSz="1035467" rtl="0" eaLnBrk="1" latinLnBrk="0" hangingPunct="1">
-      <a:defRPr sz="1359" kern="1200">
+    <a:lvl8pPr marL="3622883" algn="l" defTabSz="1035110" rtl="0" eaLnBrk="1" latinLnBrk="0" hangingPunct="1">
+      <a:defRPr sz="1358" kern="1200">
         <a:solidFill>
           <a:schemeClr val="tx1"/>
         </a:solidFill>
@@ -445,8 +450,8 @@
         <a:cs typeface="+mn-cs"/>
       </a:defRPr>
     </a:lvl8pPr>
-    <a:lvl9pPr marL="4141866" algn="l" defTabSz="1035467" rtl="0" eaLnBrk="1" latinLnBrk="0" hangingPunct="1">
-      <a:defRPr sz="1359" kern="1200">
+    <a:lvl9pPr marL="4140439" algn="l" defTabSz="1035110" rtl="0" eaLnBrk="1" latinLnBrk="0" hangingPunct="1">
+      <a:defRPr sz="1358" kern="1200">
         <a:solidFill>
           <a:schemeClr val="tx1"/>
         </a:solidFill>
@@ -486,7 +491,12 @@
             <p:ph type="sldImg"/>
           </p:nvPr>
         </p:nvSpPr>
-        <p:spPr/>
+        <p:spPr>
+          <a:xfrm>
+            <a:off x="2514600" y="857250"/>
+            <a:ext cx="4114800" cy="2314575"/>
+          </a:xfrm>
+        </p:spPr>
       </p:sp>
       <p:sp>
         <p:nvSpPr>
@@ -572,8 +582,8 @@
         </p:nvSpPr>
         <p:spPr>
           <a:xfrm>
-            <a:off x="960120" y="1571308"/>
-            <a:ext cx="10881360" cy="3342640"/>
+            <a:off x="2133600" y="1571308"/>
+            <a:ext cx="12801600" cy="3342640"/>
           </a:xfrm>
         </p:spPr>
         <p:txBody>
@@ -604,8 +614,8 @@
         </p:nvSpPr>
         <p:spPr>
           <a:xfrm>
-            <a:off x="1600200" y="5042853"/>
-            <a:ext cx="9601200" cy="2318067"/>
+            <a:off x="2133600" y="5042853"/>
+            <a:ext cx="12801600" cy="2318067"/>
           </a:xfrm>
         </p:spPr>
         <p:txBody>
@@ -615,35 +625,35 @@
               <a:buNone/>
               <a:defRPr sz="3360"/>
             </a:lvl1pPr>
-            <a:lvl2pPr marL="640080" indent="0" algn="ctr">
+            <a:lvl2pPr marL="640062" indent="0" algn="ctr">
               <a:buNone/>
               <a:defRPr sz="2800"/>
             </a:lvl2pPr>
-            <a:lvl3pPr marL="1280160" indent="0" algn="ctr">
+            <a:lvl3pPr marL="1280124" indent="0" algn="ctr">
               <a:buNone/>
               <a:defRPr sz="2520"/>
             </a:lvl3pPr>
-            <a:lvl4pPr marL="1920240" indent="0" algn="ctr">
+            <a:lvl4pPr marL="1920186" indent="0" algn="ctr">
               <a:buNone/>
               <a:defRPr sz="2240"/>
             </a:lvl4pPr>
-            <a:lvl5pPr marL="2560320" indent="0" algn="ctr">
+            <a:lvl5pPr marL="2560248" indent="0" algn="ctr">
               <a:buNone/>
               <a:defRPr sz="2240"/>
             </a:lvl5pPr>
-            <a:lvl6pPr marL="3200400" indent="0" algn="ctr">
+            <a:lvl6pPr marL="3200310" indent="0" algn="ctr">
               <a:buNone/>
               <a:defRPr sz="2240"/>
             </a:lvl6pPr>
-            <a:lvl7pPr marL="3840480" indent="0" algn="ctr">
+            <a:lvl7pPr marL="3840371" indent="0" algn="ctr">
               <a:buNone/>
               <a:defRPr sz="2240"/>
             </a:lvl7pPr>
-            <a:lvl8pPr marL="4480560" indent="0" algn="ctr">
+            <a:lvl8pPr marL="4480433" indent="0" algn="ctr">
               <a:buNone/>
               <a:defRPr sz="2240"/>
             </a:lvl8pPr>
-            <a:lvl9pPr marL="5120640" indent="0" algn="ctr">
+            <a:lvl9pPr marL="5120495" indent="0" algn="ctr">
               <a:buNone/>
               <a:defRPr sz="2240"/>
             </a:lvl9pPr>
@@ -674,7 +684,7 @@
           <a:p>
             <a:fld id="{5847B720-242F-49EE-9948-CC6A57CC8C88}" type="datetimeFigureOut">
               <a:rPr lang="en-US" smtClean="0"/>
-              <a:t>8/23/2020</a:t>
+              <a:t>9/28/2020</a:t>
             </a:fld>
             <a:endParaRPr lang="en-US"/>
           </a:p>
@@ -725,7 +735,7 @@
     </p:spTree>
     <p:extLst>
       <p:ext uri="{BB962C8B-B14F-4D97-AF65-F5344CB8AC3E}">
-        <p14:creationId xmlns:p14="http://schemas.microsoft.com/office/powerpoint/2010/main" val="703107717"/>
+        <p14:creationId xmlns:p14="http://schemas.microsoft.com/office/powerpoint/2010/main" val="19490364"/>
       </p:ext>
     </p:extLst>
   </p:cSld>
@@ -844,7 +854,7 @@
           <a:p>
             <a:fld id="{5847B720-242F-49EE-9948-CC6A57CC8C88}" type="datetimeFigureOut">
               <a:rPr lang="en-US" smtClean="0"/>
-              <a:t>8/23/2020</a:t>
+              <a:t>9/28/2020</a:t>
             </a:fld>
             <a:endParaRPr lang="en-US"/>
           </a:p>
@@ -895,7 +905,7 @@
     </p:spTree>
     <p:extLst>
       <p:ext uri="{BB962C8B-B14F-4D97-AF65-F5344CB8AC3E}">
-        <p14:creationId xmlns:p14="http://schemas.microsoft.com/office/powerpoint/2010/main" val="3270937947"/>
+        <p14:creationId xmlns:p14="http://schemas.microsoft.com/office/powerpoint/2010/main" val="994516383"/>
       </p:ext>
     </p:extLst>
   </p:cSld>
@@ -934,8 +944,8 @@
         </p:nvSpPr>
         <p:spPr>
           <a:xfrm>
-            <a:off x="9161146" y="511175"/>
-            <a:ext cx="2760345" cy="8136573"/>
+            <a:off x="12214860" y="511176"/>
+            <a:ext cx="3680460" cy="8136573"/>
           </a:xfrm>
         </p:spPr>
         <p:txBody>
@@ -962,8 +972,8 @@
         </p:nvSpPr>
         <p:spPr>
           <a:xfrm>
-            <a:off x="880111" y="511175"/>
-            <a:ext cx="8121015" cy="8136573"/>
+            <a:off x="1173480" y="511176"/>
+            <a:ext cx="10828020" cy="8136573"/>
           </a:xfrm>
         </p:spPr>
         <p:txBody>
@@ -1024,7 +1034,7 @@
           <a:p>
             <a:fld id="{5847B720-242F-49EE-9948-CC6A57CC8C88}" type="datetimeFigureOut">
               <a:rPr lang="en-US" smtClean="0"/>
-              <a:t>8/23/2020</a:t>
+              <a:t>9/28/2020</a:t>
             </a:fld>
             <a:endParaRPr lang="en-US"/>
           </a:p>
@@ -1075,7 +1085,7 @@
     </p:spTree>
     <p:extLst>
       <p:ext uri="{BB962C8B-B14F-4D97-AF65-F5344CB8AC3E}">
-        <p14:creationId xmlns:p14="http://schemas.microsoft.com/office/powerpoint/2010/main" val="812014259"/>
+        <p14:creationId xmlns:p14="http://schemas.microsoft.com/office/powerpoint/2010/main" val="2374261977"/>
       </p:ext>
     </p:extLst>
   </p:cSld>
@@ -1194,7 +1204,7 @@
           <a:p>
             <a:fld id="{5847B720-242F-49EE-9948-CC6A57CC8C88}" type="datetimeFigureOut">
               <a:rPr lang="en-US" smtClean="0"/>
-              <a:t>8/23/2020</a:t>
+              <a:t>9/28/2020</a:t>
             </a:fld>
             <a:endParaRPr lang="en-US"/>
           </a:p>
@@ -1245,7 +1255,7 @@
     </p:spTree>
     <p:extLst>
       <p:ext uri="{BB962C8B-B14F-4D97-AF65-F5344CB8AC3E}">
-        <p14:creationId xmlns:p14="http://schemas.microsoft.com/office/powerpoint/2010/main" val="2099493095"/>
+        <p14:creationId xmlns:p14="http://schemas.microsoft.com/office/powerpoint/2010/main" val="3612612934"/>
       </p:ext>
     </p:extLst>
   </p:cSld>
@@ -1284,8 +1294,8 @@
         </p:nvSpPr>
         <p:spPr>
           <a:xfrm>
-            <a:off x="873443" y="2393635"/>
-            <a:ext cx="11041380" cy="3993832"/>
+            <a:off x="1164590" y="2393634"/>
+            <a:ext cx="14721840" cy="3993832"/>
           </a:xfrm>
         </p:spPr>
         <p:txBody>
@@ -1316,8 +1326,8 @@
         </p:nvSpPr>
         <p:spPr>
           <a:xfrm>
-            <a:off x="873443" y="6425250"/>
-            <a:ext cx="11041380" cy="2100262"/>
+            <a:off x="1164590" y="6425250"/>
+            <a:ext cx="14721840" cy="2100262"/>
           </a:xfrm>
         </p:spPr>
         <p:txBody>
@@ -1327,11 +1337,13 @@
               <a:buNone/>
               <a:defRPr sz="3360">
                 <a:solidFill>
-                  <a:schemeClr val="tx1"/>
+                  <a:schemeClr val="tx1">
+                    <a:tint val="75000"/>
+                  </a:schemeClr>
                 </a:solidFill>
               </a:defRPr>
             </a:lvl1pPr>
-            <a:lvl2pPr marL="640080" indent="0">
+            <a:lvl2pPr marL="640062" indent="0">
               <a:buNone/>
               <a:defRPr sz="2800">
                 <a:solidFill>
@@ -1341,7 +1353,7 @@
                 </a:solidFill>
               </a:defRPr>
             </a:lvl2pPr>
-            <a:lvl3pPr marL="1280160" indent="0">
+            <a:lvl3pPr marL="1280124" indent="0">
               <a:buNone/>
               <a:defRPr sz="2520">
                 <a:solidFill>
@@ -1351,7 +1363,7 @@
                 </a:solidFill>
               </a:defRPr>
             </a:lvl3pPr>
-            <a:lvl4pPr marL="1920240" indent="0">
+            <a:lvl4pPr marL="1920186" indent="0">
               <a:buNone/>
               <a:defRPr sz="2240">
                 <a:solidFill>
@@ -1361,7 +1373,7 @@
                 </a:solidFill>
               </a:defRPr>
             </a:lvl4pPr>
-            <a:lvl5pPr marL="2560320" indent="0">
+            <a:lvl5pPr marL="2560248" indent="0">
               <a:buNone/>
               <a:defRPr sz="2240">
                 <a:solidFill>
@@ -1371,7 +1383,7 @@
                 </a:solidFill>
               </a:defRPr>
             </a:lvl5pPr>
-            <a:lvl6pPr marL="3200400" indent="0">
+            <a:lvl6pPr marL="3200310" indent="0">
               <a:buNone/>
               <a:defRPr sz="2240">
                 <a:solidFill>
@@ -1381,7 +1393,7 @@
                 </a:solidFill>
               </a:defRPr>
             </a:lvl6pPr>
-            <a:lvl7pPr marL="3840480" indent="0">
+            <a:lvl7pPr marL="3840371" indent="0">
               <a:buNone/>
               <a:defRPr sz="2240">
                 <a:solidFill>
@@ -1391,7 +1403,7 @@
                 </a:solidFill>
               </a:defRPr>
             </a:lvl7pPr>
-            <a:lvl8pPr marL="4480560" indent="0">
+            <a:lvl8pPr marL="4480433" indent="0">
               <a:buNone/>
               <a:defRPr sz="2240">
                 <a:solidFill>
@@ -1401,7 +1413,7 @@
                 </a:solidFill>
               </a:defRPr>
             </a:lvl8pPr>
-            <a:lvl9pPr marL="5120640" indent="0">
+            <a:lvl9pPr marL="5120495" indent="0">
               <a:buNone/>
               <a:defRPr sz="2240">
                 <a:solidFill>
@@ -1438,7 +1450,7 @@
           <a:p>
             <a:fld id="{5847B720-242F-49EE-9948-CC6A57CC8C88}" type="datetimeFigureOut">
               <a:rPr lang="en-US" smtClean="0"/>
-              <a:t>8/23/2020</a:t>
+              <a:t>9/28/2020</a:t>
             </a:fld>
             <a:endParaRPr lang="en-US"/>
           </a:p>
@@ -1489,7 +1501,7 @@
     </p:spTree>
     <p:extLst>
       <p:ext uri="{BB962C8B-B14F-4D97-AF65-F5344CB8AC3E}">
-        <p14:creationId xmlns:p14="http://schemas.microsoft.com/office/powerpoint/2010/main" val="1187708710"/>
+        <p14:creationId xmlns:p14="http://schemas.microsoft.com/office/powerpoint/2010/main" val="1166057049"/>
       </p:ext>
     </p:extLst>
   </p:cSld>
@@ -1551,8 +1563,8 @@
         </p:nvSpPr>
         <p:spPr>
           <a:xfrm>
-            <a:off x="880110" y="2555875"/>
-            <a:ext cx="5440680" cy="6091873"/>
+            <a:off x="1173480" y="2555875"/>
+            <a:ext cx="7254240" cy="6091873"/>
           </a:xfrm>
         </p:spPr>
         <p:txBody>
@@ -1608,8 +1620,8 @@
         </p:nvSpPr>
         <p:spPr>
           <a:xfrm>
-            <a:off x="6480810" y="2555875"/>
-            <a:ext cx="5440680" cy="6091873"/>
+            <a:off x="8641080" y="2555875"/>
+            <a:ext cx="7254240" cy="6091873"/>
           </a:xfrm>
         </p:spPr>
         <p:txBody>
@@ -1670,7 +1682,7 @@
           <a:p>
             <a:fld id="{5847B720-242F-49EE-9948-CC6A57CC8C88}" type="datetimeFigureOut">
               <a:rPr lang="en-US" smtClean="0"/>
-              <a:t>8/23/2020</a:t>
+              <a:t>9/28/2020</a:t>
             </a:fld>
             <a:endParaRPr lang="en-US"/>
           </a:p>
@@ -1721,7 +1733,7 @@
     </p:spTree>
     <p:extLst>
       <p:ext uri="{BB962C8B-B14F-4D97-AF65-F5344CB8AC3E}">
-        <p14:creationId xmlns:p14="http://schemas.microsoft.com/office/powerpoint/2010/main" val="3651137292"/>
+        <p14:creationId xmlns:p14="http://schemas.microsoft.com/office/powerpoint/2010/main" val="931256600"/>
       </p:ext>
     </p:extLst>
   </p:cSld>
@@ -1760,8 +1772,8 @@
         </p:nvSpPr>
         <p:spPr>
           <a:xfrm>
-            <a:off x="881777" y="511177"/>
-            <a:ext cx="11041380" cy="1855788"/>
+            <a:off x="1175703" y="511176"/>
+            <a:ext cx="14721840" cy="1855788"/>
           </a:xfrm>
         </p:spPr>
         <p:txBody>
@@ -1788,8 +1800,8 @@
         </p:nvSpPr>
         <p:spPr>
           <a:xfrm>
-            <a:off x="881779" y="2353628"/>
-            <a:ext cx="5415676" cy="1153477"/>
+            <a:off x="1175704" y="2353629"/>
+            <a:ext cx="7220902" cy="1153477"/>
           </a:xfrm>
         </p:spPr>
         <p:txBody>
@@ -1799,35 +1811,35 @@
               <a:buNone/>
               <a:defRPr sz="3360" b="1"/>
             </a:lvl1pPr>
-            <a:lvl2pPr marL="640080" indent="0">
+            <a:lvl2pPr marL="640062" indent="0">
               <a:buNone/>
               <a:defRPr sz="2800" b="1"/>
             </a:lvl2pPr>
-            <a:lvl3pPr marL="1280160" indent="0">
+            <a:lvl3pPr marL="1280124" indent="0">
               <a:buNone/>
               <a:defRPr sz="2520" b="1"/>
             </a:lvl3pPr>
-            <a:lvl4pPr marL="1920240" indent="0">
+            <a:lvl4pPr marL="1920186" indent="0">
               <a:buNone/>
               <a:defRPr sz="2240" b="1"/>
             </a:lvl4pPr>
-            <a:lvl5pPr marL="2560320" indent="0">
+            <a:lvl5pPr marL="2560248" indent="0">
               <a:buNone/>
               <a:defRPr sz="2240" b="1"/>
             </a:lvl5pPr>
-            <a:lvl6pPr marL="3200400" indent="0">
+            <a:lvl6pPr marL="3200310" indent="0">
               <a:buNone/>
               <a:defRPr sz="2240" b="1"/>
             </a:lvl6pPr>
-            <a:lvl7pPr marL="3840480" indent="0">
+            <a:lvl7pPr marL="3840371" indent="0">
               <a:buNone/>
               <a:defRPr sz="2240" b="1"/>
             </a:lvl7pPr>
-            <a:lvl8pPr marL="4480560" indent="0">
+            <a:lvl8pPr marL="4480433" indent="0">
               <a:buNone/>
               <a:defRPr sz="2240" b="1"/>
             </a:lvl8pPr>
-            <a:lvl9pPr marL="5120640" indent="0">
+            <a:lvl9pPr marL="5120495" indent="0">
               <a:buNone/>
               <a:defRPr sz="2240" b="1"/>
             </a:lvl9pPr>
@@ -1853,8 +1865,8 @@
         </p:nvSpPr>
         <p:spPr>
           <a:xfrm>
-            <a:off x="881779" y="3507105"/>
-            <a:ext cx="5415676" cy="5158423"/>
+            <a:off x="1175704" y="3507106"/>
+            <a:ext cx="7220902" cy="5158423"/>
           </a:xfrm>
         </p:spPr>
         <p:txBody>
@@ -1910,8 +1922,8 @@
         </p:nvSpPr>
         <p:spPr>
           <a:xfrm>
-            <a:off x="6480811" y="2353628"/>
-            <a:ext cx="5442347" cy="1153477"/>
+            <a:off x="8641080" y="2353629"/>
+            <a:ext cx="7256463" cy="1153477"/>
           </a:xfrm>
         </p:spPr>
         <p:txBody>
@@ -1921,35 +1933,35 @@
               <a:buNone/>
               <a:defRPr sz="3360" b="1"/>
             </a:lvl1pPr>
-            <a:lvl2pPr marL="640080" indent="0">
+            <a:lvl2pPr marL="640062" indent="0">
               <a:buNone/>
               <a:defRPr sz="2800" b="1"/>
             </a:lvl2pPr>
-            <a:lvl3pPr marL="1280160" indent="0">
+            <a:lvl3pPr marL="1280124" indent="0">
               <a:buNone/>
               <a:defRPr sz="2520" b="1"/>
             </a:lvl3pPr>
-            <a:lvl4pPr marL="1920240" indent="0">
+            <a:lvl4pPr marL="1920186" indent="0">
               <a:buNone/>
               <a:defRPr sz="2240" b="1"/>
             </a:lvl4pPr>
-            <a:lvl5pPr marL="2560320" indent="0">
+            <a:lvl5pPr marL="2560248" indent="0">
               <a:buNone/>
               <a:defRPr sz="2240" b="1"/>
             </a:lvl5pPr>
-            <a:lvl6pPr marL="3200400" indent="0">
+            <a:lvl6pPr marL="3200310" indent="0">
               <a:buNone/>
               <a:defRPr sz="2240" b="1"/>
             </a:lvl6pPr>
-            <a:lvl7pPr marL="3840480" indent="0">
+            <a:lvl7pPr marL="3840371" indent="0">
               <a:buNone/>
               <a:defRPr sz="2240" b="1"/>
             </a:lvl7pPr>
-            <a:lvl8pPr marL="4480560" indent="0">
+            <a:lvl8pPr marL="4480433" indent="0">
               <a:buNone/>
               <a:defRPr sz="2240" b="1"/>
             </a:lvl8pPr>
-            <a:lvl9pPr marL="5120640" indent="0">
+            <a:lvl9pPr marL="5120495" indent="0">
               <a:buNone/>
               <a:defRPr sz="2240" b="1"/>
             </a:lvl9pPr>
@@ -1975,8 +1987,8 @@
         </p:nvSpPr>
         <p:spPr>
           <a:xfrm>
-            <a:off x="6480811" y="3507105"/>
-            <a:ext cx="5442347" cy="5158423"/>
+            <a:off x="8641080" y="3507106"/>
+            <a:ext cx="7256463" cy="5158423"/>
           </a:xfrm>
         </p:spPr>
         <p:txBody>
@@ -2037,7 +2049,7 @@
           <a:p>
             <a:fld id="{5847B720-242F-49EE-9948-CC6A57CC8C88}" type="datetimeFigureOut">
               <a:rPr lang="en-US" smtClean="0"/>
-              <a:t>8/23/2020</a:t>
+              <a:t>9/28/2020</a:t>
             </a:fld>
             <a:endParaRPr lang="en-US"/>
           </a:p>
@@ -2088,7 +2100,7 @@
     </p:spTree>
     <p:extLst>
       <p:ext uri="{BB962C8B-B14F-4D97-AF65-F5344CB8AC3E}">
-        <p14:creationId xmlns:p14="http://schemas.microsoft.com/office/powerpoint/2010/main" val="2465814127"/>
+        <p14:creationId xmlns:p14="http://schemas.microsoft.com/office/powerpoint/2010/main" val="1920155008"/>
       </p:ext>
     </p:extLst>
   </p:cSld>
@@ -2155,7 +2167,7 @@
           <a:p>
             <a:fld id="{5847B720-242F-49EE-9948-CC6A57CC8C88}" type="datetimeFigureOut">
               <a:rPr lang="en-US" smtClean="0"/>
-              <a:t>8/23/2020</a:t>
+              <a:t>9/28/2020</a:t>
             </a:fld>
             <a:endParaRPr lang="en-US"/>
           </a:p>
@@ -2206,7 +2218,7 @@
     </p:spTree>
     <p:extLst>
       <p:ext uri="{BB962C8B-B14F-4D97-AF65-F5344CB8AC3E}">
-        <p14:creationId xmlns:p14="http://schemas.microsoft.com/office/powerpoint/2010/main" val="632912521"/>
+        <p14:creationId xmlns:p14="http://schemas.microsoft.com/office/powerpoint/2010/main" val="1484437477"/>
       </p:ext>
     </p:extLst>
   </p:cSld>
@@ -2250,7 +2262,7 @@
           <a:p>
             <a:fld id="{5847B720-242F-49EE-9948-CC6A57CC8C88}" type="datetimeFigureOut">
               <a:rPr lang="en-US" smtClean="0"/>
-              <a:t>8/23/2020</a:t>
+              <a:t>9/28/2020</a:t>
             </a:fld>
             <a:endParaRPr lang="en-US"/>
           </a:p>
@@ -2301,7 +2313,7 @@
     </p:spTree>
     <p:extLst>
       <p:ext uri="{BB962C8B-B14F-4D97-AF65-F5344CB8AC3E}">
-        <p14:creationId xmlns:p14="http://schemas.microsoft.com/office/powerpoint/2010/main" val="2767102131"/>
+        <p14:creationId xmlns:p14="http://schemas.microsoft.com/office/powerpoint/2010/main" val="4025095686"/>
       </p:ext>
     </p:extLst>
   </p:cSld>
@@ -2340,8 +2352,8 @@
         </p:nvSpPr>
         <p:spPr>
           <a:xfrm>
-            <a:off x="881778" y="640080"/>
-            <a:ext cx="4128849" cy="2240280"/>
+            <a:off x="1175704" y="640080"/>
+            <a:ext cx="5505132" cy="2240280"/>
           </a:xfrm>
         </p:spPr>
         <p:txBody>
@@ -2372,8 +2384,8 @@
         </p:nvSpPr>
         <p:spPr>
           <a:xfrm>
-            <a:off x="5442347" y="1382397"/>
-            <a:ext cx="6480810" cy="6823075"/>
+            <a:off x="7256463" y="1382397"/>
+            <a:ext cx="8641080" cy="6823075"/>
           </a:xfrm>
         </p:spPr>
         <p:txBody>
@@ -2457,8 +2469,8 @@
         </p:nvSpPr>
         <p:spPr>
           <a:xfrm>
-            <a:off x="881778" y="2880360"/>
-            <a:ext cx="4128849" cy="5336223"/>
+            <a:off x="1175704" y="2880360"/>
+            <a:ext cx="5505132" cy="5336223"/>
           </a:xfrm>
         </p:spPr>
         <p:txBody>
@@ -2468,35 +2480,35 @@
               <a:buNone/>
               <a:defRPr sz="2240"/>
             </a:lvl1pPr>
-            <a:lvl2pPr marL="640080" indent="0">
+            <a:lvl2pPr marL="640062" indent="0">
               <a:buNone/>
               <a:defRPr sz="1960"/>
             </a:lvl2pPr>
-            <a:lvl3pPr marL="1280160" indent="0">
+            <a:lvl3pPr marL="1280124" indent="0">
               <a:buNone/>
               <a:defRPr sz="1680"/>
             </a:lvl3pPr>
-            <a:lvl4pPr marL="1920240" indent="0">
+            <a:lvl4pPr marL="1920186" indent="0">
               <a:buNone/>
               <a:defRPr sz="1400"/>
             </a:lvl4pPr>
-            <a:lvl5pPr marL="2560320" indent="0">
+            <a:lvl5pPr marL="2560248" indent="0">
               <a:buNone/>
               <a:defRPr sz="1400"/>
             </a:lvl5pPr>
-            <a:lvl6pPr marL="3200400" indent="0">
+            <a:lvl6pPr marL="3200310" indent="0">
               <a:buNone/>
               <a:defRPr sz="1400"/>
             </a:lvl6pPr>
-            <a:lvl7pPr marL="3840480" indent="0">
+            <a:lvl7pPr marL="3840371" indent="0">
               <a:buNone/>
               <a:defRPr sz="1400"/>
             </a:lvl7pPr>
-            <a:lvl8pPr marL="4480560" indent="0">
+            <a:lvl8pPr marL="4480433" indent="0">
               <a:buNone/>
               <a:defRPr sz="1400"/>
             </a:lvl8pPr>
-            <a:lvl9pPr marL="5120640" indent="0">
+            <a:lvl9pPr marL="5120495" indent="0">
               <a:buNone/>
               <a:defRPr sz="1400"/>
             </a:lvl9pPr>
@@ -2527,7 +2539,7 @@
           <a:p>
             <a:fld id="{5847B720-242F-49EE-9948-CC6A57CC8C88}" type="datetimeFigureOut">
               <a:rPr lang="en-US" smtClean="0"/>
-              <a:t>8/23/2020</a:t>
+              <a:t>9/28/2020</a:t>
             </a:fld>
             <a:endParaRPr lang="en-US"/>
           </a:p>
@@ -2578,7 +2590,7 @@
     </p:spTree>
     <p:extLst>
       <p:ext uri="{BB962C8B-B14F-4D97-AF65-F5344CB8AC3E}">
-        <p14:creationId xmlns:p14="http://schemas.microsoft.com/office/powerpoint/2010/main" val="2956730380"/>
+        <p14:creationId xmlns:p14="http://schemas.microsoft.com/office/powerpoint/2010/main" val="4246480155"/>
       </p:ext>
     </p:extLst>
   </p:cSld>
@@ -2617,8 +2629,8 @@
         </p:nvSpPr>
         <p:spPr>
           <a:xfrm>
-            <a:off x="881778" y="640080"/>
-            <a:ext cx="4128849" cy="2240280"/>
+            <a:off x="1175704" y="640080"/>
+            <a:ext cx="5505132" cy="2240280"/>
           </a:xfrm>
         </p:spPr>
         <p:txBody>
@@ -2649,8 +2661,8 @@
         </p:nvSpPr>
         <p:spPr>
           <a:xfrm>
-            <a:off x="5442347" y="1382397"/>
-            <a:ext cx="6480810" cy="6823075"/>
+            <a:off x="7256463" y="1382397"/>
+            <a:ext cx="8641080" cy="6823075"/>
           </a:xfrm>
         </p:spPr>
         <p:txBody>
@@ -2660,35 +2672,35 @@
               <a:buNone/>
               <a:defRPr sz="4480"/>
             </a:lvl1pPr>
-            <a:lvl2pPr marL="640080" indent="0">
+            <a:lvl2pPr marL="640062" indent="0">
               <a:buNone/>
               <a:defRPr sz="3920"/>
             </a:lvl2pPr>
-            <a:lvl3pPr marL="1280160" indent="0">
+            <a:lvl3pPr marL="1280124" indent="0">
               <a:buNone/>
               <a:defRPr sz="3360"/>
             </a:lvl3pPr>
-            <a:lvl4pPr marL="1920240" indent="0">
+            <a:lvl4pPr marL="1920186" indent="0">
               <a:buNone/>
               <a:defRPr sz="2800"/>
             </a:lvl4pPr>
-            <a:lvl5pPr marL="2560320" indent="0">
+            <a:lvl5pPr marL="2560248" indent="0">
               <a:buNone/>
               <a:defRPr sz="2800"/>
             </a:lvl5pPr>
-            <a:lvl6pPr marL="3200400" indent="0">
+            <a:lvl6pPr marL="3200310" indent="0">
               <a:buNone/>
               <a:defRPr sz="2800"/>
             </a:lvl6pPr>
-            <a:lvl7pPr marL="3840480" indent="0">
+            <a:lvl7pPr marL="3840371" indent="0">
               <a:buNone/>
               <a:defRPr sz="2800"/>
             </a:lvl7pPr>
-            <a:lvl8pPr marL="4480560" indent="0">
+            <a:lvl8pPr marL="4480433" indent="0">
               <a:buNone/>
               <a:defRPr sz="2800"/>
             </a:lvl8pPr>
-            <a:lvl9pPr marL="5120640" indent="0">
+            <a:lvl9pPr marL="5120495" indent="0">
               <a:buNone/>
               <a:defRPr sz="2800"/>
             </a:lvl9pPr>
@@ -2714,8 +2726,8 @@
         </p:nvSpPr>
         <p:spPr>
           <a:xfrm>
-            <a:off x="881778" y="2880360"/>
-            <a:ext cx="4128849" cy="5336223"/>
+            <a:off x="1175704" y="2880360"/>
+            <a:ext cx="5505132" cy="5336223"/>
           </a:xfrm>
         </p:spPr>
         <p:txBody>
@@ -2725,35 +2737,35 @@
               <a:buNone/>
               <a:defRPr sz="2240"/>
             </a:lvl1pPr>
-            <a:lvl2pPr marL="640080" indent="0">
+            <a:lvl2pPr marL="640062" indent="0">
               <a:buNone/>
               <a:defRPr sz="1960"/>
             </a:lvl2pPr>
-            <a:lvl3pPr marL="1280160" indent="0">
+            <a:lvl3pPr marL="1280124" indent="0">
               <a:buNone/>
               <a:defRPr sz="1680"/>
             </a:lvl3pPr>
-            <a:lvl4pPr marL="1920240" indent="0">
+            <a:lvl4pPr marL="1920186" indent="0">
               <a:buNone/>
               <a:defRPr sz="1400"/>
             </a:lvl4pPr>
-            <a:lvl5pPr marL="2560320" indent="0">
+            <a:lvl5pPr marL="2560248" indent="0">
               <a:buNone/>
               <a:defRPr sz="1400"/>
             </a:lvl5pPr>
-            <a:lvl6pPr marL="3200400" indent="0">
+            <a:lvl6pPr marL="3200310" indent="0">
               <a:buNone/>
               <a:defRPr sz="1400"/>
             </a:lvl6pPr>
-            <a:lvl7pPr marL="3840480" indent="0">
+            <a:lvl7pPr marL="3840371" indent="0">
               <a:buNone/>
               <a:defRPr sz="1400"/>
             </a:lvl7pPr>
-            <a:lvl8pPr marL="4480560" indent="0">
+            <a:lvl8pPr marL="4480433" indent="0">
               <a:buNone/>
               <a:defRPr sz="1400"/>
             </a:lvl8pPr>
-            <a:lvl9pPr marL="5120640" indent="0">
+            <a:lvl9pPr marL="5120495" indent="0">
               <a:buNone/>
               <a:defRPr sz="1400"/>
             </a:lvl9pPr>
@@ -2784,7 +2796,7 @@
           <a:p>
             <a:fld id="{5847B720-242F-49EE-9948-CC6A57CC8C88}" type="datetimeFigureOut">
               <a:rPr lang="en-US" smtClean="0"/>
-              <a:t>8/23/2020</a:t>
+              <a:t>9/28/2020</a:t>
             </a:fld>
             <a:endParaRPr lang="en-US"/>
           </a:p>
@@ -2835,7 +2847,7 @@
     </p:spTree>
     <p:extLst>
       <p:ext uri="{BB962C8B-B14F-4D97-AF65-F5344CB8AC3E}">
-        <p14:creationId xmlns:p14="http://schemas.microsoft.com/office/powerpoint/2010/main" val="287263167"/>
+        <p14:creationId xmlns:p14="http://schemas.microsoft.com/office/powerpoint/2010/main" val="1655163032"/>
       </p:ext>
     </p:extLst>
   </p:cSld>
@@ -2879,8 +2891,8 @@
         </p:nvSpPr>
         <p:spPr>
           <a:xfrm>
-            <a:off x="880110" y="511177"/>
-            <a:ext cx="11041380" cy="1855788"/>
+            <a:off x="1173480" y="511176"/>
+            <a:ext cx="14721840" cy="1855788"/>
           </a:xfrm>
           <a:prstGeom prst="rect">
             <a:avLst/>
@@ -2912,8 +2924,8 @@
         </p:nvSpPr>
         <p:spPr>
           <a:xfrm>
-            <a:off x="880110" y="2555875"/>
-            <a:ext cx="11041380" cy="6091873"/>
+            <a:off x="1173480" y="2555875"/>
+            <a:ext cx="14721840" cy="6091873"/>
           </a:xfrm>
           <a:prstGeom prst="rect">
             <a:avLst/>
@@ -2974,8 +2986,8 @@
         </p:nvSpPr>
         <p:spPr>
           <a:xfrm>
-            <a:off x="880110" y="8898892"/>
-            <a:ext cx="2880360" cy="511175"/>
+            <a:off x="1173480" y="8898892"/>
+            <a:ext cx="3840480" cy="511175"/>
           </a:xfrm>
           <a:prstGeom prst="rect">
             <a:avLst/>
@@ -2997,7 +3009,7 @@
           <a:p>
             <a:fld id="{5847B720-242F-49EE-9948-CC6A57CC8C88}" type="datetimeFigureOut">
               <a:rPr lang="en-US" smtClean="0"/>
-              <a:t>8/23/2020</a:t>
+              <a:t>9/28/2020</a:t>
             </a:fld>
             <a:endParaRPr lang="en-US"/>
           </a:p>
@@ -3015,8 +3027,8 @@
         </p:nvSpPr>
         <p:spPr>
           <a:xfrm>
-            <a:off x="4240530" y="8898892"/>
-            <a:ext cx="4320540" cy="511175"/>
+            <a:off x="5654040" y="8898892"/>
+            <a:ext cx="5760720" cy="511175"/>
           </a:xfrm>
           <a:prstGeom prst="rect">
             <a:avLst/>
@@ -3052,8 +3064,8 @@
         </p:nvSpPr>
         <p:spPr>
           <a:xfrm>
-            <a:off x="9041130" y="8898892"/>
-            <a:ext cx="2880360" cy="511175"/>
+            <a:off x="12054840" y="8898892"/>
+            <a:ext cx="3840480" cy="511175"/>
           </a:xfrm>
           <a:prstGeom prst="rect">
             <a:avLst/>
@@ -3084,27 +3096,27 @@
     </p:spTree>
     <p:extLst>
       <p:ext uri="{BB962C8B-B14F-4D97-AF65-F5344CB8AC3E}">
-        <p14:creationId xmlns:p14="http://schemas.microsoft.com/office/powerpoint/2010/main" val="3255713257"/>
+        <p14:creationId xmlns:p14="http://schemas.microsoft.com/office/powerpoint/2010/main" val="928664219"/>
       </p:ext>
     </p:extLst>
   </p:cSld>
   <p:clrMap bg1="lt1" tx1="dk1" bg2="lt2" tx2="dk2" accent1="accent1" accent2="accent2" accent3="accent3" accent4="accent4" accent5="accent5" accent6="accent6" hlink="hlink" folHlink="folHlink"/>
   <p:sldLayoutIdLst>
-    <p:sldLayoutId id="2147483673" r:id="rId1"/>
-    <p:sldLayoutId id="2147483674" r:id="rId2"/>
-    <p:sldLayoutId id="2147483675" r:id="rId3"/>
-    <p:sldLayoutId id="2147483676" r:id="rId4"/>
-    <p:sldLayoutId id="2147483677" r:id="rId5"/>
-    <p:sldLayoutId id="2147483678" r:id="rId6"/>
-    <p:sldLayoutId id="2147483679" r:id="rId7"/>
-    <p:sldLayoutId id="2147483680" r:id="rId8"/>
-    <p:sldLayoutId id="2147483681" r:id="rId9"/>
-    <p:sldLayoutId id="2147483682" r:id="rId10"/>
-    <p:sldLayoutId id="2147483683" r:id="rId11"/>
+    <p:sldLayoutId id="2147483685" r:id="rId1"/>
+    <p:sldLayoutId id="2147483686" r:id="rId2"/>
+    <p:sldLayoutId id="2147483687" r:id="rId3"/>
+    <p:sldLayoutId id="2147483688" r:id="rId4"/>
+    <p:sldLayoutId id="2147483689" r:id="rId5"/>
+    <p:sldLayoutId id="2147483690" r:id="rId6"/>
+    <p:sldLayoutId id="2147483691" r:id="rId7"/>
+    <p:sldLayoutId id="2147483692" r:id="rId8"/>
+    <p:sldLayoutId id="2147483693" r:id="rId9"/>
+    <p:sldLayoutId id="2147483694" r:id="rId10"/>
+    <p:sldLayoutId id="2147483695" r:id="rId11"/>
   </p:sldLayoutIdLst>
   <p:txStyles>
     <p:titleStyle>
-      <a:lvl1pPr algn="l" defTabSz="1280160" rtl="0" eaLnBrk="1" latinLnBrk="0" hangingPunct="1">
+      <a:lvl1pPr algn="l" defTabSz="1280124" rtl="0" eaLnBrk="1" latinLnBrk="0" hangingPunct="1">
         <a:lnSpc>
           <a:spcPct val="90000"/>
         </a:lnSpc>
@@ -3123,7 +3135,7 @@
       </a:lvl1pPr>
     </p:titleStyle>
     <p:bodyStyle>
-      <a:lvl1pPr marL="320040" indent="-320040" algn="l" defTabSz="1280160" rtl="0" eaLnBrk="1" latinLnBrk="0" hangingPunct="1">
+      <a:lvl1pPr marL="320031" indent="-320031" algn="l" defTabSz="1280124" rtl="0" eaLnBrk="1" latinLnBrk="0" hangingPunct="1">
         <a:lnSpc>
           <a:spcPct val="90000"/>
         </a:lnSpc>
@@ -3141,7 +3153,7 @@
           <a:cs typeface="+mn-cs"/>
         </a:defRPr>
       </a:lvl1pPr>
-      <a:lvl2pPr marL="960120" indent="-320040" algn="l" defTabSz="1280160" rtl="0" eaLnBrk="1" latinLnBrk="0" hangingPunct="1">
+      <a:lvl2pPr marL="960093" indent="-320031" algn="l" defTabSz="1280124" rtl="0" eaLnBrk="1" latinLnBrk="0" hangingPunct="1">
         <a:lnSpc>
           <a:spcPct val="90000"/>
         </a:lnSpc>
@@ -3159,7 +3171,7 @@
           <a:cs typeface="+mn-cs"/>
         </a:defRPr>
       </a:lvl2pPr>
-      <a:lvl3pPr marL="1600200" indent="-320040" algn="l" defTabSz="1280160" rtl="0" eaLnBrk="1" latinLnBrk="0" hangingPunct="1">
+      <a:lvl3pPr marL="1600155" indent="-320031" algn="l" defTabSz="1280124" rtl="0" eaLnBrk="1" latinLnBrk="0" hangingPunct="1">
         <a:lnSpc>
           <a:spcPct val="90000"/>
         </a:lnSpc>
@@ -3177,7 +3189,7 @@
           <a:cs typeface="+mn-cs"/>
         </a:defRPr>
       </a:lvl3pPr>
-      <a:lvl4pPr marL="2240280" indent="-320040" algn="l" defTabSz="1280160" rtl="0" eaLnBrk="1" latinLnBrk="0" hangingPunct="1">
+      <a:lvl4pPr marL="2240217" indent="-320031" algn="l" defTabSz="1280124" rtl="0" eaLnBrk="1" latinLnBrk="0" hangingPunct="1">
         <a:lnSpc>
           <a:spcPct val="90000"/>
         </a:lnSpc>
@@ -3195,7 +3207,7 @@
           <a:cs typeface="+mn-cs"/>
         </a:defRPr>
       </a:lvl4pPr>
-      <a:lvl5pPr marL="2880360" indent="-320040" algn="l" defTabSz="1280160" rtl="0" eaLnBrk="1" latinLnBrk="0" hangingPunct="1">
+      <a:lvl5pPr marL="2880279" indent="-320031" algn="l" defTabSz="1280124" rtl="0" eaLnBrk="1" latinLnBrk="0" hangingPunct="1">
         <a:lnSpc>
           <a:spcPct val="90000"/>
         </a:lnSpc>
@@ -3213,7 +3225,7 @@
           <a:cs typeface="+mn-cs"/>
         </a:defRPr>
       </a:lvl5pPr>
-      <a:lvl6pPr marL="3520440" indent="-320040" algn="l" defTabSz="1280160" rtl="0" eaLnBrk="1" latinLnBrk="0" hangingPunct="1">
+      <a:lvl6pPr marL="3520340" indent="-320031" algn="l" defTabSz="1280124" rtl="0" eaLnBrk="1" latinLnBrk="0" hangingPunct="1">
         <a:lnSpc>
           <a:spcPct val="90000"/>
         </a:lnSpc>
@@ -3231,7 +3243,7 @@
           <a:cs typeface="+mn-cs"/>
         </a:defRPr>
       </a:lvl6pPr>
-      <a:lvl7pPr marL="4160520" indent="-320040" algn="l" defTabSz="1280160" rtl="0" eaLnBrk="1" latinLnBrk="0" hangingPunct="1">
+      <a:lvl7pPr marL="4160402" indent="-320031" algn="l" defTabSz="1280124" rtl="0" eaLnBrk="1" latinLnBrk="0" hangingPunct="1">
         <a:lnSpc>
           <a:spcPct val="90000"/>
         </a:lnSpc>
@@ -3249,7 +3261,7 @@
           <a:cs typeface="+mn-cs"/>
         </a:defRPr>
       </a:lvl7pPr>
-      <a:lvl8pPr marL="4800600" indent="-320040" algn="l" defTabSz="1280160" rtl="0" eaLnBrk="1" latinLnBrk="0" hangingPunct="1">
+      <a:lvl8pPr marL="4800464" indent="-320031" algn="l" defTabSz="1280124" rtl="0" eaLnBrk="1" latinLnBrk="0" hangingPunct="1">
         <a:lnSpc>
           <a:spcPct val="90000"/>
         </a:lnSpc>
@@ -3267,7 +3279,7 @@
           <a:cs typeface="+mn-cs"/>
         </a:defRPr>
       </a:lvl8pPr>
-      <a:lvl9pPr marL="5440680" indent="-320040" algn="l" defTabSz="1280160" rtl="0" eaLnBrk="1" latinLnBrk="0" hangingPunct="1">
+      <a:lvl9pPr marL="5440526" indent="-320031" algn="l" defTabSz="1280124" rtl="0" eaLnBrk="1" latinLnBrk="0" hangingPunct="1">
         <a:lnSpc>
           <a:spcPct val="90000"/>
         </a:lnSpc>
@@ -3290,7 +3302,7 @@
       <a:defPPr>
         <a:defRPr lang="en-US"/>
       </a:defPPr>
-      <a:lvl1pPr marL="0" algn="l" defTabSz="1280160" rtl="0" eaLnBrk="1" latinLnBrk="0" hangingPunct="1">
+      <a:lvl1pPr marL="0" algn="l" defTabSz="1280124" rtl="0" eaLnBrk="1" latinLnBrk="0" hangingPunct="1">
         <a:defRPr sz="2520" kern="1200">
           <a:solidFill>
             <a:schemeClr val="tx1"/>
@@ -3300,7 +3312,7 @@
           <a:cs typeface="+mn-cs"/>
         </a:defRPr>
       </a:lvl1pPr>
-      <a:lvl2pPr marL="640080" algn="l" defTabSz="1280160" rtl="0" eaLnBrk="1" latinLnBrk="0" hangingPunct="1">
+      <a:lvl2pPr marL="640062" algn="l" defTabSz="1280124" rtl="0" eaLnBrk="1" latinLnBrk="0" hangingPunct="1">
         <a:defRPr sz="2520" kern="1200">
           <a:solidFill>
             <a:schemeClr val="tx1"/>
@@ -3310,7 +3322,7 @@
           <a:cs typeface="+mn-cs"/>
         </a:defRPr>
       </a:lvl2pPr>
-      <a:lvl3pPr marL="1280160" algn="l" defTabSz="1280160" rtl="0" eaLnBrk="1" latinLnBrk="0" hangingPunct="1">
+      <a:lvl3pPr marL="1280124" algn="l" defTabSz="1280124" rtl="0" eaLnBrk="1" latinLnBrk="0" hangingPunct="1">
         <a:defRPr sz="2520" kern="1200">
           <a:solidFill>
             <a:schemeClr val="tx1"/>
@@ -3320,7 +3332,7 @@
           <a:cs typeface="+mn-cs"/>
         </a:defRPr>
       </a:lvl3pPr>
-      <a:lvl4pPr marL="1920240" algn="l" defTabSz="1280160" rtl="0" eaLnBrk="1" latinLnBrk="0" hangingPunct="1">
+      <a:lvl4pPr marL="1920186" algn="l" defTabSz="1280124" rtl="0" eaLnBrk="1" latinLnBrk="0" hangingPunct="1">
         <a:defRPr sz="2520" kern="1200">
           <a:solidFill>
             <a:schemeClr val="tx1"/>
@@ -3330,7 +3342,7 @@
           <a:cs typeface="+mn-cs"/>
         </a:defRPr>
       </a:lvl4pPr>
-      <a:lvl5pPr marL="2560320" algn="l" defTabSz="1280160" rtl="0" eaLnBrk="1" latinLnBrk="0" hangingPunct="1">
+      <a:lvl5pPr marL="2560248" algn="l" defTabSz="1280124" rtl="0" eaLnBrk="1" latinLnBrk="0" hangingPunct="1">
         <a:defRPr sz="2520" kern="1200">
           <a:solidFill>
             <a:schemeClr val="tx1"/>
@@ -3340,7 +3352,7 @@
           <a:cs typeface="+mn-cs"/>
         </a:defRPr>
       </a:lvl5pPr>
-      <a:lvl6pPr marL="3200400" algn="l" defTabSz="1280160" rtl="0" eaLnBrk="1" latinLnBrk="0" hangingPunct="1">
+      <a:lvl6pPr marL="3200310" algn="l" defTabSz="1280124" rtl="0" eaLnBrk="1" latinLnBrk="0" hangingPunct="1">
         <a:defRPr sz="2520" kern="1200">
           <a:solidFill>
             <a:schemeClr val="tx1"/>
@@ -3350,7 +3362,7 @@
           <a:cs typeface="+mn-cs"/>
         </a:defRPr>
       </a:lvl6pPr>
-      <a:lvl7pPr marL="3840480" algn="l" defTabSz="1280160" rtl="0" eaLnBrk="1" latinLnBrk="0" hangingPunct="1">
+      <a:lvl7pPr marL="3840371" algn="l" defTabSz="1280124" rtl="0" eaLnBrk="1" latinLnBrk="0" hangingPunct="1">
         <a:defRPr sz="2520" kern="1200">
           <a:solidFill>
             <a:schemeClr val="tx1"/>
@@ -3360,7 +3372,7 @@
           <a:cs typeface="+mn-cs"/>
         </a:defRPr>
       </a:lvl7pPr>
-      <a:lvl8pPr marL="4480560" algn="l" defTabSz="1280160" rtl="0" eaLnBrk="1" latinLnBrk="0" hangingPunct="1">
+      <a:lvl8pPr marL="4480433" algn="l" defTabSz="1280124" rtl="0" eaLnBrk="1" latinLnBrk="0" hangingPunct="1">
         <a:defRPr sz="2520" kern="1200">
           <a:solidFill>
             <a:schemeClr val="tx1"/>
@@ -3370,7 +3382,7 @@
           <a:cs typeface="+mn-cs"/>
         </a:defRPr>
       </a:lvl8pPr>
-      <a:lvl9pPr marL="5120640" algn="l" defTabSz="1280160" rtl="0" eaLnBrk="1" latinLnBrk="0" hangingPunct="1">
+      <a:lvl9pPr marL="5120495" algn="l" defTabSz="1280124" rtl="0" eaLnBrk="1" latinLnBrk="0" hangingPunct="1">
         <a:defRPr sz="2520" kern="1200">
           <a:solidFill>
             <a:schemeClr val="tx1"/>
@@ -3426,8 +3438,8 @@
         </p:nvSpPr>
         <p:spPr>
           <a:xfrm>
-            <a:off x="9698763" y="111164"/>
-            <a:ext cx="2808241" cy="1008364"/>
+            <a:off x="12931685" y="-1451981"/>
+            <a:ext cx="3744321" cy="1344485"/>
           </a:xfrm>
           <a:prstGeom prst="rect">
             <a:avLst/>
@@ -3455,10 +3467,10 @@
           <a:p>
             <a:pPr algn="ctr"/>
             <a:r>
-              <a:rPr lang="ar-JO" sz="2092" dirty="0"/>
+              <a:rPr lang="ar-JO" sz="2789" dirty="0"/>
               <a:t>وزارة السياحة والاثار الاردنية</a:t>
             </a:r>
-            <a:endParaRPr lang="en-US" sz="2092" dirty="0"/>
+            <a:endParaRPr lang="en-US" sz="2789" dirty="0"/>
           </a:p>
         </p:txBody>
       </p:sp>
@@ -3476,8 +3488,8 @@
         </p:nvSpPr>
         <p:spPr>
           <a:xfrm>
-            <a:off x="10234289" y="1412287"/>
-            <a:ext cx="2146839" cy="758984"/>
+            <a:off x="13732455" y="265044"/>
+            <a:ext cx="2862452" cy="1011979"/>
           </a:xfrm>
           <a:prstGeom prst="rect">
             <a:avLst/>
@@ -3505,10 +3517,10 @@
           <a:p>
             <a:pPr algn="ctr"/>
             <a:r>
-              <a:rPr lang="ar-JO" sz="2092" dirty="0"/>
+              <a:rPr lang="ar-JO" sz="2789" dirty="0"/>
               <a:t>الصفحة الرئيسية</a:t>
             </a:r>
-            <a:endParaRPr lang="en-US" sz="2092" dirty="0"/>
+            <a:endParaRPr lang="en-US" sz="2789" dirty="0"/>
           </a:p>
         </p:txBody>
       </p:sp>
@@ -3526,8 +3538,8 @@
         </p:nvSpPr>
         <p:spPr>
           <a:xfrm>
-            <a:off x="10234288" y="2569305"/>
-            <a:ext cx="2146839" cy="807776"/>
+            <a:off x="13645718" y="1825541"/>
+            <a:ext cx="2862452" cy="1077035"/>
           </a:xfrm>
           <a:prstGeom prst="rect">
             <a:avLst/>
@@ -3555,10 +3567,10 @@
           <a:p>
             <a:pPr algn="ctr"/>
             <a:r>
-              <a:rPr lang="ar-JO" sz="2092" dirty="0"/>
+              <a:rPr lang="ar-JO" sz="2789" dirty="0"/>
               <a:t>معلومات عن السفر</a:t>
             </a:r>
-            <a:endParaRPr lang="en-US" sz="2092" dirty="0"/>
+            <a:endParaRPr lang="en-US" sz="2789" dirty="0"/>
           </a:p>
         </p:txBody>
       </p:sp>
@@ -3576,8 +3588,8 @@
         </p:nvSpPr>
         <p:spPr>
           <a:xfrm>
-            <a:off x="10234288" y="3716345"/>
-            <a:ext cx="2146839" cy="758984"/>
+            <a:off x="13645718" y="3354927"/>
+            <a:ext cx="2862452" cy="1011979"/>
           </a:xfrm>
           <a:prstGeom prst="rect">
             <a:avLst/>
@@ -3605,10 +3617,10 @@
           <a:p>
             <a:pPr algn="ctr"/>
             <a:r>
-              <a:rPr lang="ar-JO" sz="2092" dirty="0"/>
+              <a:rPr lang="ar-JO" sz="2789" dirty="0"/>
               <a:t>عن الوزارة</a:t>
             </a:r>
-            <a:endParaRPr lang="en-US" sz="2092" dirty="0"/>
+            <a:endParaRPr lang="en-US" sz="2789" dirty="0"/>
           </a:p>
         </p:txBody>
       </p:sp>
@@ -3626,8 +3638,8 @@
         </p:nvSpPr>
         <p:spPr>
           <a:xfrm>
-            <a:off x="10234287" y="4900467"/>
-            <a:ext cx="2146839" cy="758984"/>
+            <a:off x="13645717" y="4933757"/>
+            <a:ext cx="2862452" cy="1011979"/>
           </a:xfrm>
           <a:prstGeom prst="rect">
             <a:avLst/>
@@ -3655,10 +3667,10 @@
           <a:p>
             <a:pPr algn="ctr"/>
             <a:r>
-              <a:rPr lang="ar-JO" sz="2092" dirty="0"/>
+              <a:rPr lang="ar-JO" sz="2789" dirty="0"/>
               <a:t>المركز الاعلامي</a:t>
             </a:r>
-            <a:endParaRPr lang="en-US" sz="2092" dirty="0"/>
+            <a:endParaRPr lang="en-US" sz="2789" dirty="0"/>
           </a:p>
         </p:txBody>
       </p:sp>
@@ -3676,8 +3688,8 @@
         </p:nvSpPr>
         <p:spPr>
           <a:xfrm>
-            <a:off x="10234287" y="6023594"/>
-            <a:ext cx="2146839" cy="758984"/>
+            <a:off x="13645717" y="6431260"/>
+            <a:ext cx="2862452" cy="1011979"/>
           </a:xfrm>
           <a:prstGeom prst="rect">
             <a:avLst/>
@@ -3705,10 +3717,10 @@
           <a:p>
             <a:pPr algn="ctr"/>
             <a:r>
-              <a:rPr lang="ar-JO" sz="2092" dirty="0"/>
+              <a:rPr lang="ar-JO" sz="2789" dirty="0"/>
               <a:t>المشاريع والمبادرات</a:t>
             </a:r>
-            <a:endParaRPr lang="en-US" sz="2092" dirty="0"/>
+            <a:endParaRPr lang="en-US" sz="2789" dirty="0"/>
           </a:p>
         </p:txBody>
       </p:sp>
@@ -3726,8 +3738,8 @@
         </p:nvSpPr>
         <p:spPr>
           <a:xfrm>
-            <a:off x="10234286" y="7021790"/>
-            <a:ext cx="2146839" cy="813197"/>
+            <a:off x="13645715" y="7762188"/>
+            <a:ext cx="2862452" cy="1084263"/>
           </a:xfrm>
           <a:prstGeom prst="rect">
             <a:avLst/>
@@ -3755,10 +3767,10 @@
           <a:p>
             <a:pPr algn="ctr"/>
             <a:r>
-              <a:rPr lang="ar-JO" sz="2092" dirty="0"/>
+              <a:rPr lang="ar-JO" sz="2789" dirty="0"/>
               <a:t>الوجهات السياحية</a:t>
             </a:r>
-            <a:endParaRPr lang="en-US" sz="2092" dirty="0"/>
+            <a:endParaRPr lang="en-US" sz="2789" dirty="0"/>
           </a:p>
         </p:txBody>
       </p:sp>
@@ -3776,8 +3788,8 @@
         </p:nvSpPr>
         <p:spPr>
           <a:xfrm>
-            <a:off x="10169230" y="8148129"/>
-            <a:ext cx="2276950" cy="758984"/>
+            <a:off x="13558975" y="9263972"/>
+            <a:ext cx="3035933" cy="1011979"/>
           </a:xfrm>
           <a:prstGeom prst="rect">
             <a:avLst/>
@@ -3805,10 +3817,10 @@
           <a:p>
             <a:pPr algn="ctr"/>
             <a:r>
-              <a:rPr lang="ar-JO" sz="2092" dirty="0"/>
-              <a:t>اتصل بنا</a:t>
-            </a:r>
-            <a:endParaRPr lang="en-US" sz="2092" dirty="0"/>
+              <a:rPr lang="ar-JO" sz="2789" dirty="0"/>
+              <a:t>الخدمات الالكترونية</a:t>
+            </a:r>
+            <a:endParaRPr lang="en-US" sz="2789" dirty="0"/>
           </a:p>
         </p:txBody>
       </p:sp>
@@ -3828,47 +3840,8 @@
         </p:nvCxnSpPr>
         <p:spPr>
           <a:xfrm flipH="1">
-            <a:off x="11102883" y="1119528"/>
-            <a:ext cx="1" cy="487890"/>
-          </a:xfrm>
-          <a:prstGeom prst="line">
-            <a:avLst/>
-          </a:prstGeom>
-        </p:spPr>
-        <p:style>
-          <a:lnRef idx="1">
-            <a:schemeClr val="accent1"/>
-          </a:lnRef>
-          <a:fillRef idx="0">
-            <a:schemeClr val="accent1"/>
-          </a:fillRef>
-          <a:effectRef idx="0">
-            <a:schemeClr val="accent1"/>
-          </a:effectRef>
-          <a:fontRef idx="minor">
-            <a:schemeClr val="tx1"/>
-          </a:fontRef>
-        </p:style>
-      </p:cxnSp>
-      <p:cxnSp>
-        <p:nvCxnSpPr>
-          <p:cNvPr id="19" name="Straight Connector 18">
-            <a:extLst>
-              <a:ext uri="{FF2B5EF4-FFF2-40B4-BE49-F238E27FC236}">
-                <a16:creationId xmlns:a16="http://schemas.microsoft.com/office/drawing/2014/main" id="{4C7EF943-FF03-42BE-A11D-AC65F6091B9D}"/>
-              </a:ext>
-            </a:extLst>
-          </p:cNvPr>
-          <p:cNvCxnSpPr>
-            <a:stCxn id="8" idx="2"/>
-            <a:endCxn id="9" idx="0"/>
-          </p:cNvCxnSpPr>
-          <p:nvPr/>
-        </p:nvCxnSpPr>
-        <p:spPr>
-          <a:xfrm flipH="1">
-            <a:off x="11307708" y="2171271"/>
-            <a:ext cx="1" cy="398034"/>
+            <a:off x="14803845" y="-107496"/>
+            <a:ext cx="1" cy="650520"/>
           </a:xfrm>
           <a:prstGeom prst="line">
             <a:avLst/>
@@ -3906,8 +3879,8 @@
         </p:nvCxnSpPr>
         <p:spPr>
           <a:xfrm>
-            <a:off x="11307708" y="3377081"/>
-            <a:ext cx="0" cy="339264"/>
+            <a:off x="15076944" y="2902575"/>
+            <a:ext cx="0" cy="452352"/>
           </a:xfrm>
           <a:prstGeom prst="line">
             <a:avLst/>
@@ -3938,14 +3911,14 @@
             </a:extLst>
           </p:cNvPr>
           <p:cNvCxnSpPr>
-            <a:stCxn id="10" idx="2"/>
+            <a:cxnSpLocks/>
           </p:cNvCxnSpPr>
           <p:nvPr/>
         </p:nvCxnSpPr>
         <p:spPr>
           <a:xfrm flipH="1">
-            <a:off x="11307705" y="4475329"/>
-            <a:ext cx="3" cy="540808"/>
+            <a:off x="15006545" y="4423890"/>
+            <a:ext cx="4" cy="721077"/>
           </a:xfrm>
           <a:prstGeom prst="line">
             <a:avLst/>
@@ -3982,8 +3955,8 @@
         </p:nvCxnSpPr>
         <p:spPr>
           <a:xfrm flipH="1">
-            <a:off x="11307705" y="5659451"/>
-            <a:ext cx="2" cy="446826"/>
+            <a:off x="15076940" y="5945735"/>
+            <a:ext cx="3" cy="595768"/>
           </a:xfrm>
           <a:prstGeom prst="line">
             <a:avLst/>
@@ -4021,8 +3994,8 @@
         </p:nvCxnSpPr>
         <p:spPr>
           <a:xfrm flipH="1">
-            <a:off x="11307706" y="6782578"/>
-            <a:ext cx="1" cy="239212"/>
+            <a:off x="15076942" y="7443239"/>
+            <a:ext cx="1" cy="318949"/>
           </a:xfrm>
           <a:prstGeom prst="line">
             <a:avLst/>
@@ -4060,8 +4033,8 @@
         </p:nvCxnSpPr>
         <p:spPr>
           <a:xfrm flipH="1">
-            <a:off x="11307705" y="7834987"/>
-            <a:ext cx="1" cy="313142"/>
+            <a:off x="15076941" y="8846450"/>
+            <a:ext cx="1" cy="417523"/>
           </a:xfrm>
           <a:prstGeom prst="line">
             <a:avLst/>
@@ -4096,8 +4069,8 @@
         </p:nvSpPr>
         <p:spPr>
           <a:xfrm>
-            <a:off x="7637315" y="2537460"/>
-            <a:ext cx="2146839" cy="807776"/>
+            <a:off x="10183088" y="1783081"/>
+            <a:ext cx="2862452" cy="1077035"/>
           </a:xfrm>
           <a:prstGeom prst="rect">
             <a:avLst/>
@@ -4125,10 +4098,10 @@
           <a:p>
             <a:pPr algn="ctr"/>
             <a:r>
-              <a:rPr lang="ar-JO" dirty="0"/>
+              <a:rPr lang="ar-JO" sz="2400" dirty="0"/>
               <a:t>معلومات اساسية</a:t>
             </a:r>
-            <a:endParaRPr lang="en-US" dirty="0"/>
+            <a:endParaRPr lang="en-US" sz="2400" dirty="0"/>
           </a:p>
         </p:txBody>
       </p:sp>
@@ -4146,8 +4119,8 @@
         </p:nvSpPr>
         <p:spPr>
           <a:xfrm>
-            <a:off x="5185812" y="2513718"/>
-            <a:ext cx="2146839" cy="807776"/>
+            <a:off x="6914418" y="1751425"/>
+            <a:ext cx="2862452" cy="1077035"/>
           </a:xfrm>
           <a:prstGeom prst="rect">
             <a:avLst/>
@@ -4175,10 +4148,10 @@
           <a:p>
             <a:pPr algn="ctr"/>
             <a:r>
-              <a:rPr lang="ar-JO" dirty="0"/>
+              <a:rPr lang="ar-JO" sz="2400" dirty="0"/>
               <a:t>اماكن الاكل </a:t>
             </a:r>
-            <a:endParaRPr lang="en-US" dirty="0"/>
+            <a:endParaRPr lang="en-US" sz="2400" dirty="0"/>
           </a:p>
         </p:txBody>
       </p:sp>
@@ -4196,8 +4169,8 @@
         </p:nvSpPr>
         <p:spPr>
           <a:xfrm>
-            <a:off x="2588839" y="2513718"/>
-            <a:ext cx="2146839" cy="807776"/>
+            <a:off x="3580239" y="1732500"/>
+            <a:ext cx="2862452" cy="1077035"/>
           </a:xfrm>
           <a:prstGeom prst="rect">
             <a:avLst/>
@@ -4225,10 +4198,10 @@
           <a:p>
             <a:pPr algn="ctr"/>
             <a:r>
-              <a:rPr lang="ar-JO" dirty="0"/>
+              <a:rPr lang="ar-JO" sz="2400" dirty="0"/>
               <a:t>اماكن البقاء</a:t>
             </a:r>
-            <a:endParaRPr lang="en-US" dirty="0"/>
+            <a:endParaRPr lang="en-US" sz="2400" dirty="0"/>
           </a:p>
         </p:txBody>
       </p:sp>
@@ -4246,8 +4219,8 @@
         </p:nvSpPr>
         <p:spPr>
           <a:xfrm>
-            <a:off x="7637315" y="3740087"/>
-            <a:ext cx="2146839" cy="758984"/>
+            <a:off x="10183088" y="3386584"/>
+            <a:ext cx="2862452" cy="1011979"/>
           </a:xfrm>
           <a:prstGeom prst="rect">
             <a:avLst/>
@@ -4275,10 +4248,10 @@
           <a:p>
             <a:pPr algn="ctr"/>
             <a:r>
-              <a:rPr lang="ar-JO" dirty="0"/>
+              <a:rPr lang="ar-JO" sz="2400" dirty="0"/>
               <a:t>كلمة الوزير</a:t>
             </a:r>
-            <a:endParaRPr lang="en-US" dirty="0"/>
+            <a:endParaRPr lang="en-US" sz="2400" dirty="0"/>
           </a:p>
         </p:txBody>
       </p:sp>
@@ -4296,8 +4269,8 @@
         </p:nvSpPr>
         <p:spPr>
           <a:xfrm>
-            <a:off x="5185812" y="3740087"/>
-            <a:ext cx="2146839" cy="735242"/>
+            <a:off x="6914418" y="3386587"/>
+            <a:ext cx="2862452" cy="980322"/>
           </a:xfrm>
           <a:prstGeom prst="rect">
             <a:avLst/>
@@ -4325,10 +4298,10 @@
           <a:p>
             <a:pPr algn="ctr"/>
             <a:r>
-              <a:rPr lang="ar-JO" dirty="0"/>
+              <a:rPr lang="ar-JO" sz="2400" dirty="0"/>
               <a:t>الهيكل التنظيمي</a:t>
             </a:r>
-            <a:endParaRPr lang="en-US" dirty="0"/>
+            <a:endParaRPr lang="en-US" sz="2400" dirty="0"/>
           </a:p>
         </p:txBody>
       </p:sp>
@@ -4346,8 +4319,8 @@
         </p:nvSpPr>
         <p:spPr>
           <a:xfrm>
-            <a:off x="2641876" y="3740087"/>
-            <a:ext cx="2292309" cy="807776"/>
+            <a:off x="3522502" y="3386583"/>
+            <a:ext cx="3056412" cy="1077035"/>
           </a:xfrm>
           <a:prstGeom prst="rect">
             <a:avLst/>
@@ -4375,10 +4348,10 @@
           <a:p>
             <a:pPr algn="ctr"/>
             <a:r>
-              <a:rPr lang="ar-JO" dirty="0"/>
+              <a:rPr lang="ar-JO" sz="2400" dirty="0"/>
               <a:t>الاتفاقيات</a:t>
             </a:r>
-            <a:endParaRPr lang="en-US" dirty="0"/>
+            <a:endParaRPr lang="en-US" sz="2400" dirty="0"/>
           </a:p>
         </p:txBody>
       </p:sp>
@@ -4396,8 +4369,8 @@
         </p:nvSpPr>
         <p:spPr>
           <a:xfrm>
-            <a:off x="-114209" y="3716345"/>
-            <a:ext cx="2504459" cy="758984"/>
+            <a:off x="-152278" y="3354927"/>
+            <a:ext cx="3339279" cy="1011979"/>
           </a:xfrm>
           <a:prstGeom prst="rect">
             <a:avLst/>
@@ -4425,10 +4398,10 @@
           <a:p>
             <a:pPr algn="ctr"/>
             <a:r>
-              <a:rPr lang="ar-JO" dirty="0"/>
+              <a:rPr lang="ar-JO" sz="2400" dirty="0"/>
               <a:t>التشريعات</a:t>
             </a:r>
-            <a:endParaRPr lang="en-US" dirty="0"/>
+            <a:endParaRPr lang="en-US" sz="2400" dirty="0"/>
           </a:p>
         </p:txBody>
       </p:sp>
@@ -4446,8 +4419,8 @@
         </p:nvSpPr>
         <p:spPr>
           <a:xfrm>
-            <a:off x="-3036756" y="3716345"/>
-            <a:ext cx="2697480" cy="758984"/>
+            <a:off x="-4049008" y="3354927"/>
+            <a:ext cx="3596640" cy="1011979"/>
           </a:xfrm>
           <a:prstGeom prst="rect">
             <a:avLst/>
@@ -4475,10 +4448,10 @@
           <a:p>
             <a:pPr algn="ctr"/>
             <a:r>
-              <a:rPr lang="ar-JO" dirty="0"/>
+              <a:rPr lang="ar-JO" sz="2400" dirty="0"/>
               <a:t>الرؤية</a:t>
             </a:r>
-            <a:endParaRPr lang="en-US" dirty="0"/>
+            <a:endParaRPr lang="en-US" sz="2400" dirty="0"/>
           </a:p>
         </p:txBody>
       </p:sp>
@@ -4496,8 +4469,8 @@
         </p:nvSpPr>
         <p:spPr>
           <a:xfrm>
-            <a:off x="7637315" y="5016137"/>
-            <a:ext cx="2146839" cy="643314"/>
+            <a:off x="10277419" y="5115064"/>
+            <a:ext cx="2862452" cy="857752"/>
           </a:xfrm>
           <a:prstGeom prst="rect">
             <a:avLst/>
@@ -4525,10 +4498,10 @@
           <a:p>
             <a:pPr algn="ctr"/>
             <a:r>
-              <a:rPr lang="ar-JO" dirty="0"/>
+              <a:rPr lang="ar-JO" sz="2400" dirty="0"/>
               <a:t>الملف الصحفغي</a:t>
             </a:r>
-            <a:endParaRPr lang="en-US" dirty="0"/>
+            <a:endParaRPr lang="en-US" sz="2400" dirty="0"/>
           </a:p>
         </p:txBody>
       </p:sp>
@@ -4546,8 +4519,8 @@
         </p:nvSpPr>
         <p:spPr>
           <a:xfrm>
-            <a:off x="5164286" y="5016137"/>
-            <a:ext cx="2168365" cy="643314"/>
+            <a:off x="6885717" y="5087986"/>
+            <a:ext cx="2891153" cy="857752"/>
           </a:xfrm>
           <a:prstGeom prst="rect">
             <a:avLst/>
@@ -4575,10 +4548,10 @@
           <a:p>
             <a:pPr algn="ctr"/>
             <a:r>
-              <a:rPr lang="ar-JO" dirty="0"/>
+              <a:rPr lang="ar-JO" sz="2400" dirty="0"/>
               <a:t>الأخبار</a:t>
             </a:r>
-            <a:endParaRPr lang="en-US" dirty="0"/>
+            <a:endParaRPr lang="en-US" sz="2400" dirty="0"/>
           </a:p>
         </p:txBody>
       </p:sp>
@@ -4596,8 +4569,8 @@
         </p:nvSpPr>
         <p:spPr>
           <a:xfrm>
-            <a:off x="7637315" y="6200259"/>
-            <a:ext cx="2451503" cy="758984"/>
+            <a:off x="9871202" y="6560755"/>
+            <a:ext cx="3268671" cy="1011979"/>
           </a:xfrm>
           <a:prstGeom prst="rect">
             <a:avLst/>
@@ -4625,10 +4598,10 @@
           <a:p>
             <a:pPr algn="ctr"/>
             <a:r>
-              <a:rPr lang="ar-JO" dirty="0"/>
+              <a:rPr lang="ar-JO" sz="2400" dirty="0"/>
               <a:t>الاستراتيجيات الوطنية</a:t>
             </a:r>
-            <a:endParaRPr lang="en-US" dirty="0"/>
+            <a:endParaRPr lang="en-US" sz="2400" dirty="0"/>
           </a:p>
         </p:txBody>
       </p:sp>
@@ -4646,8 +4619,8 @@
         </p:nvSpPr>
         <p:spPr>
           <a:xfrm>
-            <a:off x="5159676" y="6200259"/>
-            <a:ext cx="2292306" cy="758984"/>
+            <a:off x="6451892" y="6563724"/>
+            <a:ext cx="3056408" cy="1011979"/>
           </a:xfrm>
           <a:prstGeom prst="rect">
             <a:avLst/>
@@ -4675,10 +4648,10 @@
           <a:p>
             <a:pPr algn="ctr"/>
             <a:r>
-              <a:rPr lang="ar-JO" dirty="0"/>
+              <a:rPr lang="ar-JO" sz="2400" dirty="0"/>
               <a:t>عطاءات الوزارة</a:t>
             </a:r>
-            <a:endParaRPr lang="en-US" dirty="0"/>
+            <a:endParaRPr lang="en-US" sz="2400" dirty="0"/>
           </a:p>
         </p:txBody>
       </p:sp>
@@ -4696,8 +4669,8 @@
         </p:nvSpPr>
         <p:spPr>
           <a:xfrm>
-            <a:off x="2290282" y="6200259"/>
-            <a:ext cx="2504459" cy="758984"/>
+            <a:off x="2713547" y="6585542"/>
+            <a:ext cx="3339279" cy="1011979"/>
           </a:xfrm>
           <a:prstGeom prst="rect">
             <a:avLst/>
@@ -4725,360 +4698,10 @@
           <a:p>
             <a:pPr algn="ctr"/>
             <a:r>
-              <a:rPr lang="ar-JO" dirty="0"/>
+              <a:rPr lang="ar-JO" sz="2400" dirty="0"/>
               <a:t>مشاريع الوزارة</a:t>
             </a:r>
-            <a:endParaRPr lang="en-US" dirty="0"/>
-          </a:p>
-        </p:txBody>
-      </p:sp>
-      <p:sp>
-        <p:nvSpPr>
-          <p:cNvPr id="45" name="Rectangle 44">
-            <a:extLst>
-              <a:ext uri="{FF2B5EF4-FFF2-40B4-BE49-F238E27FC236}">
-                <a16:creationId xmlns:a16="http://schemas.microsoft.com/office/drawing/2014/main" id="{A6B4695D-939F-4626-851D-23C0612DA538}"/>
-              </a:ext>
-            </a:extLst>
-          </p:cNvPr>
-          <p:cNvSpPr/>
-          <p:nvPr/>
-        </p:nvSpPr>
-        <p:spPr>
-          <a:xfrm>
-            <a:off x="8517252" y="7428389"/>
-            <a:ext cx="1266902" cy="547156"/>
-          </a:xfrm>
-          <a:prstGeom prst="rect">
-            <a:avLst/>
-          </a:prstGeom>
-        </p:spPr>
-        <p:style>
-          <a:lnRef idx="2">
-            <a:schemeClr val="accent1">
-              <a:shade val="50000"/>
-            </a:schemeClr>
-          </a:lnRef>
-          <a:fillRef idx="1">
-            <a:schemeClr val="accent1"/>
-          </a:fillRef>
-          <a:effectRef idx="0">
-            <a:schemeClr val="accent1"/>
-          </a:effectRef>
-          <a:fontRef idx="minor">
-            <a:schemeClr val="lt1"/>
-          </a:fontRef>
-        </p:style>
-        <p:txBody>
-          <a:bodyPr rtlCol="0" anchor="ctr"/>
-          <a:lstStyle/>
-          <a:p>
-            <a:pPr algn="ctr"/>
-            <a:r>
-              <a:rPr lang="ar-JO" dirty="0"/>
-              <a:t>اربد</a:t>
-            </a:r>
-            <a:endParaRPr lang="en-US" dirty="0"/>
-          </a:p>
-        </p:txBody>
-      </p:sp>
-      <p:sp>
-        <p:nvSpPr>
-          <p:cNvPr id="46" name="Rectangle 45">
-            <a:extLst>
-              <a:ext uri="{FF2B5EF4-FFF2-40B4-BE49-F238E27FC236}">
-                <a16:creationId xmlns:a16="http://schemas.microsoft.com/office/drawing/2014/main" id="{3B397A38-EC9F-44B4-8B9B-7E9BC5DAA218}"/>
-              </a:ext>
-            </a:extLst>
-          </p:cNvPr>
-          <p:cNvSpPr/>
-          <p:nvPr/>
-        </p:nvSpPr>
-        <p:spPr>
-          <a:xfrm>
-            <a:off x="7059738" y="7429610"/>
-            <a:ext cx="1207722" cy="523251"/>
-          </a:xfrm>
-          <a:prstGeom prst="rect">
-            <a:avLst/>
-          </a:prstGeom>
-        </p:spPr>
-        <p:style>
-          <a:lnRef idx="2">
-            <a:schemeClr val="accent1">
-              <a:shade val="50000"/>
-            </a:schemeClr>
-          </a:lnRef>
-          <a:fillRef idx="1">
-            <a:schemeClr val="accent1"/>
-          </a:fillRef>
-          <a:effectRef idx="0">
-            <a:schemeClr val="accent1"/>
-          </a:effectRef>
-          <a:fontRef idx="minor">
-            <a:schemeClr val="lt1"/>
-          </a:fontRef>
-        </p:style>
-        <p:txBody>
-          <a:bodyPr rtlCol="0" anchor="ctr"/>
-          <a:lstStyle/>
-          <a:p>
-            <a:pPr algn="ctr"/>
-            <a:r>
-              <a:rPr lang="ar-JO" dirty="0"/>
-              <a:t>المفرق</a:t>
-            </a:r>
-            <a:endParaRPr lang="en-US" dirty="0"/>
-          </a:p>
-        </p:txBody>
-      </p:sp>
-      <p:sp>
-        <p:nvSpPr>
-          <p:cNvPr id="47" name="Rectangle 46">
-            <a:extLst>
-              <a:ext uri="{FF2B5EF4-FFF2-40B4-BE49-F238E27FC236}">
-                <a16:creationId xmlns:a16="http://schemas.microsoft.com/office/drawing/2014/main" id="{FF3B4055-C15D-4055-8FD6-588739A2BE5B}"/>
-              </a:ext>
-            </a:extLst>
-          </p:cNvPr>
-          <p:cNvSpPr/>
-          <p:nvPr/>
-        </p:nvSpPr>
-        <p:spPr>
-          <a:xfrm>
-            <a:off x="5453218" y="7401328"/>
-            <a:ext cx="1273886" cy="574217"/>
-          </a:xfrm>
-          <a:prstGeom prst="rect">
-            <a:avLst/>
-          </a:prstGeom>
-        </p:spPr>
-        <p:style>
-          <a:lnRef idx="2">
-            <a:schemeClr val="accent1">
-              <a:shade val="50000"/>
-            </a:schemeClr>
-          </a:lnRef>
-          <a:fillRef idx="1">
-            <a:schemeClr val="accent1"/>
-          </a:fillRef>
-          <a:effectRef idx="0">
-            <a:schemeClr val="accent1"/>
-          </a:effectRef>
-          <a:fontRef idx="minor">
-            <a:schemeClr val="lt1"/>
-          </a:fontRef>
-        </p:style>
-        <p:txBody>
-          <a:bodyPr rtlCol="0" anchor="ctr"/>
-          <a:lstStyle/>
-          <a:p>
-            <a:pPr algn="ctr"/>
-            <a:r>
-              <a:rPr lang="ar-JO" dirty="0"/>
-              <a:t>الكرك</a:t>
-            </a:r>
-            <a:endParaRPr lang="en-US" dirty="0"/>
-          </a:p>
-        </p:txBody>
-      </p:sp>
-      <p:sp>
-        <p:nvSpPr>
-          <p:cNvPr id="48" name="Rectangle 47">
-            <a:extLst>
-              <a:ext uri="{FF2B5EF4-FFF2-40B4-BE49-F238E27FC236}">
-                <a16:creationId xmlns:a16="http://schemas.microsoft.com/office/drawing/2014/main" id="{6E36EB5A-ADF4-4215-8BED-8012F25969AB}"/>
-              </a:ext>
-            </a:extLst>
-          </p:cNvPr>
-          <p:cNvSpPr/>
-          <p:nvPr/>
-        </p:nvSpPr>
-        <p:spPr>
-          <a:xfrm>
-            <a:off x="3889395" y="7456887"/>
-            <a:ext cx="1273887" cy="495974"/>
-          </a:xfrm>
-          <a:prstGeom prst="rect">
-            <a:avLst/>
-          </a:prstGeom>
-        </p:spPr>
-        <p:style>
-          <a:lnRef idx="2">
-            <a:schemeClr val="accent1">
-              <a:shade val="50000"/>
-            </a:schemeClr>
-          </a:lnRef>
-          <a:fillRef idx="1">
-            <a:schemeClr val="accent1"/>
-          </a:fillRef>
-          <a:effectRef idx="0">
-            <a:schemeClr val="accent1"/>
-          </a:effectRef>
-          <a:fontRef idx="minor">
-            <a:schemeClr val="lt1"/>
-          </a:fontRef>
-        </p:style>
-        <p:txBody>
-          <a:bodyPr rtlCol="0" anchor="ctr"/>
-          <a:lstStyle/>
-          <a:p>
-            <a:pPr algn="ctr"/>
-            <a:r>
-              <a:rPr lang="ar-JO" dirty="0"/>
-              <a:t>معان</a:t>
-            </a:r>
-            <a:endParaRPr lang="en-US" dirty="0"/>
-          </a:p>
-        </p:txBody>
-      </p:sp>
-      <p:sp>
-        <p:nvSpPr>
-          <p:cNvPr id="49" name="Rectangle 48">
-            <a:extLst>
-              <a:ext uri="{FF2B5EF4-FFF2-40B4-BE49-F238E27FC236}">
-                <a16:creationId xmlns:a16="http://schemas.microsoft.com/office/drawing/2014/main" id="{57F2137F-E879-4CB2-AB69-F383A66D71C7}"/>
-              </a:ext>
-            </a:extLst>
-          </p:cNvPr>
-          <p:cNvSpPr/>
-          <p:nvPr/>
-        </p:nvSpPr>
-        <p:spPr>
-          <a:xfrm>
-            <a:off x="2390250" y="7433346"/>
-            <a:ext cx="1308546" cy="495974"/>
-          </a:xfrm>
-          <a:prstGeom prst="rect">
-            <a:avLst/>
-          </a:prstGeom>
-        </p:spPr>
-        <p:style>
-          <a:lnRef idx="2">
-            <a:schemeClr val="accent1">
-              <a:shade val="50000"/>
-            </a:schemeClr>
-          </a:lnRef>
-          <a:fillRef idx="1">
-            <a:schemeClr val="accent1"/>
-          </a:fillRef>
-          <a:effectRef idx="0">
-            <a:schemeClr val="accent1"/>
-          </a:effectRef>
-          <a:fontRef idx="minor">
-            <a:schemeClr val="lt1"/>
-          </a:fontRef>
-        </p:style>
-        <p:txBody>
-          <a:bodyPr rtlCol="0" anchor="ctr"/>
-          <a:lstStyle/>
-          <a:p>
-            <a:pPr algn="ctr"/>
-            <a:r>
-              <a:rPr lang="ar-JO" dirty="0"/>
-              <a:t>مادبا</a:t>
-            </a:r>
-            <a:endParaRPr lang="en-US" dirty="0"/>
-          </a:p>
-        </p:txBody>
-      </p:sp>
-      <p:sp>
-        <p:nvSpPr>
-          <p:cNvPr id="50" name="Rectangle 49">
-            <a:extLst>
-              <a:ext uri="{FF2B5EF4-FFF2-40B4-BE49-F238E27FC236}">
-                <a16:creationId xmlns:a16="http://schemas.microsoft.com/office/drawing/2014/main" id="{3F54F32D-73A0-46E4-B7E4-D7C5AA915E82}"/>
-              </a:ext>
-            </a:extLst>
-          </p:cNvPr>
-          <p:cNvSpPr/>
-          <p:nvPr/>
-        </p:nvSpPr>
-        <p:spPr>
-          <a:xfrm>
-            <a:off x="2512075" y="8276692"/>
-            <a:ext cx="1217339" cy="547156"/>
-          </a:xfrm>
-          <a:prstGeom prst="rect">
-            <a:avLst/>
-          </a:prstGeom>
-        </p:spPr>
-        <p:style>
-          <a:lnRef idx="2">
-            <a:schemeClr val="accent1">
-              <a:shade val="50000"/>
-            </a:schemeClr>
-          </a:lnRef>
-          <a:fillRef idx="1">
-            <a:schemeClr val="accent1"/>
-          </a:fillRef>
-          <a:effectRef idx="0">
-            <a:schemeClr val="accent1"/>
-          </a:effectRef>
-          <a:fontRef idx="minor">
-            <a:schemeClr val="lt1"/>
-          </a:fontRef>
-        </p:style>
-        <p:txBody>
-          <a:bodyPr rtlCol="0" anchor="ctr"/>
-          <a:lstStyle/>
-          <a:p>
-            <a:pPr algn="ctr"/>
-            <a:r>
-              <a:rPr lang="ar-JO" dirty="0"/>
-              <a:t>البلقاء</a:t>
-            </a:r>
-            <a:endParaRPr lang="en-US" dirty="0"/>
-          </a:p>
-        </p:txBody>
-      </p:sp>
-      <p:sp>
-        <p:nvSpPr>
-          <p:cNvPr id="51" name="Rectangle 50">
-            <a:extLst>
-              <a:ext uri="{FF2B5EF4-FFF2-40B4-BE49-F238E27FC236}">
-                <a16:creationId xmlns:a16="http://schemas.microsoft.com/office/drawing/2014/main" id="{3924ABB4-114B-4041-9FD3-B203B9D0099C}"/>
-              </a:ext>
-            </a:extLst>
-          </p:cNvPr>
-          <p:cNvSpPr/>
-          <p:nvPr/>
-        </p:nvSpPr>
-        <p:spPr>
-          <a:xfrm>
-            <a:off x="905305" y="8298600"/>
-            <a:ext cx="1217339" cy="525249"/>
-          </a:xfrm>
-          <a:prstGeom prst="rect">
-            <a:avLst/>
-          </a:prstGeom>
-        </p:spPr>
-        <p:style>
-          <a:lnRef idx="2">
-            <a:schemeClr val="accent1">
-              <a:shade val="50000"/>
-            </a:schemeClr>
-          </a:lnRef>
-          <a:fillRef idx="1">
-            <a:schemeClr val="accent1"/>
-          </a:fillRef>
-          <a:effectRef idx="0">
-            <a:schemeClr val="accent1"/>
-          </a:effectRef>
-          <a:fontRef idx="minor">
-            <a:schemeClr val="lt1"/>
-          </a:fontRef>
-        </p:style>
-        <p:txBody>
-          <a:bodyPr rtlCol="0" anchor="ctr"/>
-          <a:lstStyle/>
-          <a:p>
-            <a:pPr algn="ctr"/>
-            <a:r>
-              <a:rPr lang="ar-JO" dirty="0"/>
-              <a:t>جرش</a:t>
-            </a:r>
-            <a:endParaRPr lang="en-US" dirty="0"/>
+            <a:endParaRPr lang="en-US" sz="2400" dirty="0"/>
           </a:p>
         </p:txBody>
       </p:sp>
@@ -5096,8 +4719,8 @@
         </p:nvSpPr>
         <p:spPr>
           <a:xfrm>
-            <a:off x="8578027" y="8253301"/>
-            <a:ext cx="1266902" cy="547156"/>
+            <a:off x="11327263" y="7969839"/>
+            <a:ext cx="1689203" cy="729541"/>
           </a:xfrm>
           <a:prstGeom prst="rect">
             <a:avLst/>
@@ -5125,10 +4748,10 @@
           <a:p>
             <a:pPr algn="ctr"/>
             <a:r>
-              <a:rPr lang="ar-JO" dirty="0"/>
+              <a:rPr lang="ar-JO" sz="2400" dirty="0"/>
               <a:t>العقبة</a:t>
             </a:r>
-            <a:endParaRPr lang="en-US" dirty="0"/>
+            <a:endParaRPr lang="en-US" sz="2400" dirty="0"/>
           </a:p>
         </p:txBody>
       </p:sp>
@@ -5146,8 +4769,8 @@
         </p:nvSpPr>
         <p:spPr>
           <a:xfrm>
-            <a:off x="6912707" y="8298600"/>
-            <a:ext cx="1433258" cy="501857"/>
+            <a:off x="8915695" y="7977963"/>
+            <a:ext cx="1911011" cy="669143"/>
           </a:xfrm>
           <a:prstGeom prst="rect">
             <a:avLst/>
@@ -5175,10 +4798,10 @@
           <a:p>
             <a:pPr algn="ctr"/>
             <a:r>
-              <a:rPr lang="ar-JO" dirty="0"/>
-              <a:t>الطفيلة</a:t>
-            </a:r>
-            <a:endParaRPr lang="en-US" dirty="0"/>
+              <a:rPr lang="ar-JO" sz="2400" dirty="0"/>
+              <a:t>البحر الميت</a:t>
+            </a:r>
+            <a:endParaRPr lang="en-US" sz="2400" dirty="0"/>
           </a:p>
         </p:txBody>
       </p:sp>
@@ -5196,8 +4819,8 @@
         </p:nvSpPr>
         <p:spPr>
           <a:xfrm>
-            <a:off x="5302996" y="8275208"/>
-            <a:ext cx="1345206" cy="548640"/>
+            <a:off x="6739140" y="7934432"/>
+            <a:ext cx="1793608" cy="731520"/>
           </a:xfrm>
           <a:prstGeom prst="rect">
             <a:avLst/>
@@ -5225,60 +4848,10 @@
           <a:p>
             <a:pPr algn="ctr"/>
             <a:r>
-              <a:rPr lang="ar-JO" dirty="0"/>
-              <a:t>الزرقاء</a:t>
-            </a:r>
-            <a:endParaRPr lang="en-US" dirty="0"/>
-          </a:p>
-        </p:txBody>
-      </p:sp>
-      <p:sp>
-        <p:nvSpPr>
-          <p:cNvPr id="55" name="Rectangle 54">
-            <a:extLst>
-              <a:ext uri="{FF2B5EF4-FFF2-40B4-BE49-F238E27FC236}">
-                <a16:creationId xmlns:a16="http://schemas.microsoft.com/office/drawing/2014/main" id="{C08436D8-6ADD-4DAE-86C8-BB5B14CAC130}"/>
-              </a:ext>
-            </a:extLst>
-          </p:cNvPr>
-          <p:cNvSpPr/>
-          <p:nvPr/>
-        </p:nvSpPr>
-        <p:spPr>
-          <a:xfrm>
-            <a:off x="3889395" y="8298600"/>
-            <a:ext cx="1217338" cy="525248"/>
-          </a:xfrm>
-          <a:prstGeom prst="rect">
-            <a:avLst/>
-          </a:prstGeom>
-        </p:spPr>
-        <p:style>
-          <a:lnRef idx="2">
-            <a:schemeClr val="accent1">
-              <a:shade val="50000"/>
-            </a:schemeClr>
-          </a:lnRef>
-          <a:fillRef idx="1">
-            <a:schemeClr val="accent1"/>
-          </a:fillRef>
-          <a:effectRef idx="0">
-            <a:schemeClr val="accent1"/>
-          </a:effectRef>
-          <a:fontRef idx="minor">
-            <a:schemeClr val="lt1"/>
-          </a:fontRef>
-        </p:style>
-        <p:txBody>
-          <a:bodyPr rtlCol="0" anchor="ctr"/>
-          <a:lstStyle/>
-          <a:p>
-            <a:pPr algn="ctr"/>
-            <a:r>
-              <a:rPr lang="ar-JO" dirty="0"/>
-              <a:t>عجلون</a:t>
-            </a:r>
-            <a:endParaRPr lang="en-US" dirty="0"/>
+              <a:rPr lang="ar-JO" sz="2400" dirty="0"/>
+              <a:t>البتراء</a:t>
+            </a:r>
+            <a:endParaRPr lang="en-US" sz="2400" dirty="0"/>
           </a:p>
         </p:txBody>
       </p:sp>
@@ -5296,8 +4869,8 @@
         </p:nvSpPr>
         <p:spPr>
           <a:xfrm>
-            <a:off x="866699" y="7401328"/>
-            <a:ext cx="1255945" cy="527992"/>
+            <a:off x="4371781" y="7934432"/>
+            <a:ext cx="1940207" cy="731520"/>
           </a:xfrm>
           <a:prstGeom prst="rect">
             <a:avLst/>
@@ -5325,10 +4898,10 @@
           <a:p>
             <a:pPr algn="ctr"/>
             <a:r>
-              <a:rPr lang="ar-JO" dirty="0"/>
+              <a:rPr lang="ar-JO" sz="2400" dirty="0"/>
               <a:t>عمان</a:t>
             </a:r>
-            <a:endParaRPr lang="en-US" dirty="0"/>
+            <a:endParaRPr lang="en-US" sz="2400" dirty="0"/>
           </a:p>
         </p:txBody>
       </p:sp>
@@ -5348,163 +4921,8 @@
         </p:nvCxnSpPr>
         <p:spPr>
           <a:xfrm flipH="1">
-            <a:off x="9698763" y="2973193"/>
-            <a:ext cx="535525" cy="0"/>
-          </a:xfrm>
-          <a:prstGeom prst="line">
-            <a:avLst/>
-          </a:prstGeom>
-        </p:spPr>
-        <p:style>
-          <a:lnRef idx="1">
-            <a:schemeClr val="accent1"/>
-          </a:lnRef>
-          <a:fillRef idx="0">
-            <a:schemeClr val="accent1"/>
-          </a:fillRef>
-          <a:effectRef idx="0">
-            <a:schemeClr val="accent1"/>
-          </a:effectRef>
-          <a:fontRef idx="minor">
-            <a:schemeClr val="tx1"/>
-          </a:fontRef>
-        </p:style>
-      </p:cxnSp>
-      <p:cxnSp>
-        <p:nvCxnSpPr>
-          <p:cNvPr id="60" name="Straight Connector 59">
-            <a:extLst>
-              <a:ext uri="{FF2B5EF4-FFF2-40B4-BE49-F238E27FC236}">
-                <a16:creationId xmlns:a16="http://schemas.microsoft.com/office/drawing/2014/main" id="{C6823B5E-D9B9-4593-A1C2-D5F8F7916A8F}"/>
-              </a:ext>
-            </a:extLst>
-          </p:cNvPr>
-          <p:cNvCxnSpPr>
-            <a:stCxn id="32" idx="1"/>
-          </p:cNvCxnSpPr>
-          <p:nvPr/>
-        </p:nvCxnSpPr>
-        <p:spPr>
-          <a:xfrm flipH="1" flipV="1">
-            <a:off x="7084464" y="2917606"/>
-            <a:ext cx="552851" cy="23742"/>
-          </a:xfrm>
-          <a:prstGeom prst="line">
-            <a:avLst/>
-          </a:prstGeom>
-        </p:spPr>
-        <p:style>
-          <a:lnRef idx="1">
-            <a:schemeClr val="accent1"/>
-          </a:lnRef>
-          <a:fillRef idx="0">
-            <a:schemeClr val="accent1"/>
-          </a:fillRef>
-          <a:effectRef idx="0">
-            <a:schemeClr val="accent1"/>
-          </a:effectRef>
-          <a:fontRef idx="minor">
-            <a:schemeClr val="tx1"/>
-          </a:fontRef>
-        </p:style>
-      </p:cxnSp>
-      <p:cxnSp>
-        <p:nvCxnSpPr>
-          <p:cNvPr id="62" name="Straight Connector 61">
-            <a:extLst>
-              <a:ext uri="{FF2B5EF4-FFF2-40B4-BE49-F238E27FC236}">
-                <a16:creationId xmlns:a16="http://schemas.microsoft.com/office/drawing/2014/main" id="{57E1FCC2-09A6-4C87-A695-2D2B0C7CC6C4}"/>
-              </a:ext>
-            </a:extLst>
-          </p:cNvPr>
-          <p:cNvCxnSpPr>
-            <a:endCxn id="34" idx="3"/>
-          </p:cNvCxnSpPr>
-          <p:nvPr/>
-        </p:nvCxnSpPr>
-        <p:spPr>
-          <a:xfrm flipH="1">
-            <a:off x="4735678" y="2917606"/>
-            <a:ext cx="581039" cy="0"/>
-          </a:xfrm>
-          <a:prstGeom prst="line">
-            <a:avLst/>
-          </a:prstGeom>
-        </p:spPr>
-        <p:style>
-          <a:lnRef idx="1">
-            <a:schemeClr val="accent1"/>
-          </a:lnRef>
-          <a:fillRef idx="0">
-            <a:schemeClr val="accent1"/>
-          </a:fillRef>
-          <a:effectRef idx="0">
-            <a:schemeClr val="accent1"/>
-          </a:effectRef>
-          <a:fontRef idx="minor">
-            <a:schemeClr val="tx1"/>
-          </a:fontRef>
-        </p:style>
-      </p:cxnSp>
-      <p:cxnSp>
-        <p:nvCxnSpPr>
-          <p:cNvPr id="64" name="Straight Connector 63">
-            <a:extLst>
-              <a:ext uri="{FF2B5EF4-FFF2-40B4-BE49-F238E27FC236}">
-                <a16:creationId xmlns:a16="http://schemas.microsoft.com/office/drawing/2014/main" id="{57290C2C-060E-4734-8555-6F1B2E1C9F82}"/>
-              </a:ext>
-            </a:extLst>
-          </p:cNvPr>
-          <p:cNvCxnSpPr>
-            <a:cxnSpLocks/>
-            <a:stCxn id="10" idx="1"/>
-            <a:endCxn id="35" idx="3"/>
-          </p:cNvCxnSpPr>
-          <p:nvPr/>
-        </p:nvCxnSpPr>
-        <p:spPr>
-          <a:xfrm flipH="1">
-            <a:off x="9784154" y="4095837"/>
-            <a:ext cx="450134" cy="23742"/>
-          </a:xfrm>
-          <a:prstGeom prst="line">
-            <a:avLst/>
-          </a:prstGeom>
-        </p:spPr>
-        <p:style>
-          <a:lnRef idx="1">
-            <a:schemeClr val="accent1"/>
-          </a:lnRef>
-          <a:fillRef idx="0">
-            <a:schemeClr val="accent1"/>
-          </a:fillRef>
-          <a:effectRef idx="0">
-            <a:schemeClr val="accent1"/>
-          </a:effectRef>
-          <a:fontRef idx="minor">
-            <a:schemeClr val="tx1"/>
-          </a:fontRef>
-        </p:style>
-      </p:cxnSp>
-      <p:cxnSp>
-        <p:nvCxnSpPr>
-          <p:cNvPr id="67" name="Straight Connector 66">
-            <a:extLst>
-              <a:ext uri="{FF2B5EF4-FFF2-40B4-BE49-F238E27FC236}">
-                <a16:creationId xmlns:a16="http://schemas.microsoft.com/office/drawing/2014/main" id="{4D7D1D1A-7204-4B8B-AEB8-7CA2A0DC89AD}"/>
-              </a:ext>
-            </a:extLst>
-          </p:cNvPr>
-          <p:cNvCxnSpPr>
-            <a:stCxn id="35" idx="1"/>
-            <a:endCxn id="36" idx="3"/>
-          </p:cNvCxnSpPr>
-          <p:nvPr/>
-        </p:nvCxnSpPr>
-        <p:spPr>
-          <a:xfrm flipH="1" flipV="1">
-            <a:off x="7332651" y="4107708"/>
-            <a:ext cx="304664" cy="11871"/>
+            <a:off x="12931685" y="2364057"/>
+            <a:ext cx="714033" cy="0"/>
           </a:xfrm>
           <a:prstGeom prst="line">
             <a:avLst/>
@@ -5541,8 +4959,8 @@
         </p:nvCxnSpPr>
         <p:spPr>
           <a:xfrm flipH="1" flipV="1">
-            <a:off x="4537089" y="4095837"/>
-            <a:ext cx="648723" cy="11871"/>
+            <a:off x="6049456" y="3860920"/>
+            <a:ext cx="864964" cy="15828"/>
           </a:xfrm>
           <a:prstGeom prst="line">
             <a:avLst/>
@@ -5579,8 +4997,8 @@
         </p:nvCxnSpPr>
         <p:spPr>
           <a:xfrm flipH="1" flipV="1">
-            <a:off x="2209624" y="4141756"/>
-            <a:ext cx="432252" cy="2219"/>
+            <a:off x="2946165" y="3922143"/>
+            <a:ext cx="576336" cy="2959"/>
           </a:xfrm>
           <a:prstGeom prst="line">
             <a:avLst/>
@@ -5617,8 +5035,296 @@
         </p:nvCxnSpPr>
         <p:spPr>
           <a:xfrm flipH="1">
-            <a:off x="-456148" y="4095837"/>
-            <a:ext cx="341939" cy="0"/>
+            <a:off x="-608198" y="3860916"/>
+            <a:ext cx="455919" cy="0"/>
+          </a:xfrm>
+          <a:prstGeom prst="line">
+            <a:avLst/>
+          </a:prstGeom>
+        </p:spPr>
+        <p:style>
+          <a:lnRef idx="1">
+            <a:schemeClr val="accent1"/>
+          </a:lnRef>
+          <a:fillRef idx="0">
+            <a:schemeClr val="accent1"/>
+          </a:fillRef>
+          <a:effectRef idx="0">
+            <a:schemeClr val="accent1"/>
+          </a:effectRef>
+          <a:fontRef idx="minor">
+            <a:schemeClr val="tx1"/>
+          </a:fontRef>
+        </p:style>
+      </p:cxnSp>
+      <p:sp>
+        <p:nvSpPr>
+          <p:cNvPr id="78" name="Rectangle 77">
+            <a:extLst>
+              <a:ext uri="{FF2B5EF4-FFF2-40B4-BE49-F238E27FC236}">
+                <a16:creationId xmlns:a16="http://schemas.microsoft.com/office/drawing/2014/main" id="{C64B25AB-0C94-4E37-BCE6-D99924CD8BB0}"/>
+              </a:ext>
+            </a:extLst>
+          </p:cNvPr>
+          <p:cNvSpPr/>
+          <p:nvPr/>
+        </p:nvSpPr>
+        <p:spPr>
+          <a:xfrm>
+            <a:off x="13558974" y="10574435"/>
+            <a:ext cx="3035933" cy="1011979"/>
+          </a:xfrm>
+          <a:prstGeom prst="rect">
+            <a:avLst/>
+          </a:prstGeom>
+        </p:spPr>
+        <p:style>
+          <a:lnRef idx="2">
+            <a:schemeClr val="accent1">
+              <a:shade val="50000"/>
+            </a:schemeClr>
+          </a:lnRef>
+          <a:fillRef idx="1">
+            <a:schemeClr val="accent1"/>
+          </a:fillRef>
+          <a:effectRef idx="0">
+            <a:schemeClr val="accent1"/>
+          </a:effectRef>
+          <a:fontRef idx="minor">
+            <a:schemeClr val="lt1"/>
+          </a:fontRef>
+        </p:style>
+        <p:txBody>
+          <a:bodyPr rtlCol="0" anchor="ctr"/>
+          <a:lstStyle/>
+          <a:p>
+            <a:pPr algn="ctr"/>
+            <a:r>
+              <a:rPr lang="ar-JO" sz="2789" dirty="0"/>
+              <a:t>اتصل بنا</a:t>
+            </a:r>
+            <a:endParaRPr lang="en-US" sz="2789" dirty="0"/>
+          </a:p>
+        </p:txBody>
+      </p:sp>
+      <p:sp>
+        <p:nvSpPr>
+          <p:cNvPr id="80" name="Rectangle 79">
+            <a:extLst>
+              <a:ext uri="{FF2B5EF4-FFF2-40B4-BE49-F238E27FC236}">
+                <a16:creationId xmlns:a16="http://schemas.microsoft.com/office/drawing/2014/main" id="{57EBDF28-3655-4C32-8D20-1FFC5340E1BC}"/>
+              </a:ext>
+            </a:extLst>
+          </p:cNvPr>
+          <p:cNvSpPr/>
+          <p:nvPr/>
+        </p:nvSpPr>
+        <p:spPr>
+          <a:xfrm>
+            <a:off x="212744" y="1760210"/>
+            <a:ext cx="3035933" cy="1011979"/>
+          </a:xfrm>
+          <a:prstGeom prst="rect">
+            <a:avLst/>
+          </a:prstGeom>
+        </p:spPr>
+        <p:style>
+          <a:lnRef idx="2">
+            <a:schemeClr val="accent1">
+              <a:shade val="50000"/>
+            </a:schemeClr>
+          </a:lnRef>
+          <a:fillRef idx="1">
+            <a:schemeClr val="accent1"/>
+          </a:fillRef>
+          <a:effectRef idx="0">
+            <a:schemeClr val="accent1"/>
+          </a:effectRef>
+          <a:fontRef idx="minor">
+            <a:schemeClr val="lt1"/>
+          </a:fontRef>
+        </p:style>
+        <p:txBody>
+          <a:bodyPr rtlCol="0" anchor="ctr"/>
+          <a:lstStyle/>
+          <a:p>
+            <a:pPr algn="ctr"/>
+            <a:r>
+              <a:rPr lang="ar-JO" sz="2789" dirty="0"/>
+              <a:t>الذهاب الى والتنقل فيها</a:t>
+            </a:r>
+            <a:endParaRPr lang="en-US" sz="2789" dirty="0"/>
+          </a:p>
+        </p:txBody>
+      </p:sp>
+      <p:sp>
+        <p:nvSpPr>
+          <p:cNvPr id="82" name="Rectangle 81">
+            <a:extLst>
+              <a:ext uri="{FF2B5EF4-FFF2-40B4-BE49-F238E27FC236}">
+                <a16:creationId xmlns:a16="http://schemas.microsoft.com/office/drawing/2014/main" id="{4FAA6B2B-5E8B-4EF8-957C-47E5009F5CA9}"/>
+              </a:ext>
+            </a:extLst>
+          </p:cNvPr>
+          <p:cNvSpPr/>
+          <p:nvPr/>
+        </p:nvSpPr>
+        <p:spPr>
+          <a:xfrm>
+            <a:off x="9929725" y="9308485"/>
+            <a:ext cx="3035933" cy="1011979"/>
+          </a:xfrm>
+          <a:prstGeom prst="rect">
+            <a:avLst/>
+          </a:prstGeom>
+        </p:spPr>
+        <p:style>
+          <a:lnRef idx="2">
+            <a:schemeClr val="accent1">
+              <a:shade val="50000"/>
+            </a:schemeClr>
+          </a:lnRef>
+          <a:fillRef idx="1">
+            <a:schemeClr val="accent1"/>
+          </a:fillRef>
+          <a:effectRef idx="0">
+            <a:schemeClr val="accent1"/>
+          </a:effectRef>
+          <a:fontRef idx="minor">
+            <a:schemeClr val="lt1"/>
+          </a:fontRef>
+        </p:style>
+        <p:txBody>
+          <a:bodyPr rtlCol="0" anchor="ctr"/>
+          <a:lstStyle/>
+          <a:p>
+            <a:pPr algn="ctr"/>
+            <a:r>
+              <a:rPr lang="ar-JO" sz="2789" dirty="0"/>
+              <a:t>طلب تجديد رخصة دليل سياحي</a:t>
+            </a:r>
+            <a:endParaRPr lang="en-US" sz="2789" dirty="0"/>
+          </a:p>
+        </p:txBody>
+      </p:sp>
+      <p:sp>
+        <p:nvSpPr>
+          <p:cNvPr id="84" name="Rectangle 83">
+            <a:extLst>
+              <a:ext uri="{FF2B5EF4-FFF2-40B4-BE49-F238E27FC236}">
+                <a16:creationId xmlns:a16="http://schemas.microsoft.com/office/drawing/2014/main" id="{F88DDEE8-3C56-475D-87F0-939527FAF2F1}"/>
+              </a:ext>
+            </a:extLst>
+          </p:cNvPr>
+          <p:cNvSpPr/>
+          <p:nvPr/>
+        </p:nvSpPr>
+        <p:spPr>
+          <a:xfrm>
+            <a:off x="6442692" y="9308485"/>
+            <a:ext cx="3035933" cy="1011979"/>
+          </a:xfrm>
+          <a:prstGeom prst="rect">
+            <a:avLst/>
+          </a:prstGeom>
+        </p:spPr>
+        <p:style>
+          <a:lnRef idx="2">
+            <a:schemeClr val="accent1">
+              <a:shade val="50000"/>
+            </a:schemeClr>
+          </a:lnRef>
+          <a:fillRef idx="1">
+            <a:schemeClr val="accent1"/>
+          </a:fillRef>
+          <a:effectRef idx="0">
+            <a:schemeClr val="accent1"/>
+          </a:effectRef>
+          <a:fontRef idx="minor">
+            <a:schemeClr val="lt1"/>
+          </a:fontRef>
+        </p:style>
+        <p:txBody>
+          <a:bodyPr rtlCol="0" anchor="ctr"/>
+          <a:lstStyle/>
+          <a:p>
+            <a:pPr algn="ctr"/>
+            <a:r>
+              <a:rPr lang="ar-JO" sz="2789" dirty="0"/>
+              <a:t>تقديم شكوى على منشأة سياحية</a:t>
+            </a:r>
+            <a:endParaRPr lang="en-US" sz="2789" dirty="0"/>
+          </a:p>
+        </p:txBody>
+      </p:sp>
+      <p:sp>
+        <p:nvSpPr>
+          <p:cNvPr id="85" name="Rectangle 84">
+            <a:extLst>
+              <a:ext uri="{FF2B5EF4-FFF2-40B4-BE49-F238E27FC236}">
+                <a16:creationId xmlns:a16="http://schemas.microsoft.com/office/drawing/2014/main" id="{0FF467EA-2DFF-4656-9D98-CB8AB13DA4FD}"/>
+              </a:ext>
+            </a:extLst>
+          </p:cNvPr>
+          <p:cNvSpPr/>
+          <p:nvPr/>
+        </p:nvSpPr>
+        <p:spPr>
+          <a:xfrm>
+            <a:off x="3000075" y="9312740"/>
+            <a:ext cx="3035933" cy="1011979"/>
+          </a:xfrm>
+          <a:prstGeom prst="rect">
+            <a:avLst/>
+          </a:prstGeom>
+        </p:spPr>
+        <p:style>
+          <a:lnRef idx="2">
+            <a:schemeClr val="accent1">
+              <a:shade val="50000"/>
+            </a:schemeClr>
+          </a:lnRef>
+          <a:fillRef idx="1">
+            <a:schemeClr val="accent1"/>
+          </a:fillRef>
+          <a:effectRef idx="0">
+            <a:schemeClr val="accent1"/>
+          </a:effectRef>
+          <a:fontRef idx="minor">
+            <a:schemeClr val="lt1"/>
+          </a:fontRef>
+        </p:style>
+        <p:txBody>
+          <a:bodyPr rtlCol="0" anchor="ctr"/>
+          <a:lstStyle/>
+          <a:p>
+            <a:pPr algn="ctr"/>
+            <a:r>
+              <a:rPr lang="ar-JO" sz="2789" dirty="0"/>
+              <a:t>طلب تدريب طلاب المنح</a:t>
+            </a:r>
+            <a:endParaRPr lang="en-US" sz="2789" dirty="0"/>
+          </a:p>
+        </p:txBody>
+      </p:sp>
+      <p:cxnSp>
+        <p:nvCxnSpPr>
+          <p:cNvPr id="30" name="Straight Connector 29">
+            <a:extLst>
+              <a:ext uri="{FF2B5EF4-FFF2-40B4-BE49-F238E27FC236}">
+                <a16:creationId xmlns:a16="http://schemas.microsoft.com/office/drawing/2014/main" id="{0AB8FAA8-0EDD-4CFE-BFDD-54D60A234FAE}"/>
+              </a:ext>
+            </a:extLst>
+          </p:cNvPr>
+          <p:cNvCxnSpPr>
+            <a:stCxn id="34" idx="3"/>
+          </p:cNvCxnSpPr>
+          <p:nvPr/>
+        </p:nvCxnSpPr>
+        <p:spPr>
+          <a:xfrm flipV="1">
+            <a:off x="6442691" y="2266202"/>
+            <a:ext cx="646087" cy="4818"/>
           </a:xfrm>
           <a:prstGeom prst="line">
             <a:avLst/>
@@ -5641,10 +5347,10 @@
       </p:cxnSp>
       <p:cxnSp>
         <p:nvCxnSpPr>
-          <p:cNvPr id="75" name="Straight Connector 74">
+          <p:cNvPr id="89" name="Straight Connector 88">
             <a:extLst>
               <a:ext uri="{FF2B5EF4-FFF2-40B4-BE49-F238E27FC236}">
-                <a16:creationId xmlns:a16="http://schemas.microsoft.com/office/drawing/2014/main" id="{DDA08085-E1C0-4001-A07D-978B769CF1C9}"/>
+                <a16:creationId xmlns:a16="http://schemas.microsoft.com/office/drawing/2014/main" id="{F4C7BEDB-10E0-4E5F-8703-05AA3840F9DE}"/>
               </a:ext>
             </a:extLst>
           </p:cNvPr>
@@ -5652,9 +5358,9 @@
           <p:nvPr/>
         </p:nvCxnSpPr>
         <p:spPr>
-          <a:xfrm flipH="1">
-            <a:off x="9784154" y="6579751"/>
-            <a:ext cx="450132" cy="96002"/>
+          <a:xfrm flipV="1">
+            <a:off x="3208390" y="2284827"/>
+            <a:ext cx="646087" cy="4817"/>
           </a:xfrm>
           <a:prstGeom prst="line">
             <a:avLst/>
@@ -5677,22 +5383,20 @@
       </p:cxnSp>
       <p:cxnSp>
         <p:nvCxnSpPr>
-          <p:cNvPr id="77" name="Straight Connector 76">
+          <p:cNvPr id="90" name="Straight Connector 89">
             <a:extLst>
               <a:ext uri="{FF2B5EF4-FFF2-40B4-BE49-F238E27FC236}">
-                <a16:creationId xmlns:a16="http://schemas.microsoft.com/office/drawing/2014/main" id="{EEB105ED-7EC4-4407-90B5-C08F71301116}"/>
+                <a16:creationId xmlns:a16="http://schemas.microsoft.com/office/drawing/2014/main" id="{3035CA14-57D2-4059-886D-81878879AD72}"/>
               </a:ext>
             </a:extLst>
           </p:cNvPr>
-          <p:cNvCxnSpPr>
-            <a:stCxn id="42" idx="1"/>
-          </p:cNvCxnSpPr>
+          <p:cNvCxnSpPr/>
           <p:nvPr/>
         </p:nvCxnSpPr>
         <p:spPr>
-          <a:xfrm flipH="1" flipV="1">
-            <a:off x="7289448" y="6556009"/>
-            <a:ext cx="347867" cy="23742"/>
+          <a:xfrm flipV="1">
+            <a:off x="9656937" y="2255459"/>
+            <a:ext cx="646087" cy="4818"/>
           </a:xfrm>
           <a:prstGeom prst="line">
             <a:avLst/>
@@ -5715,24 +5419,20 @@
       </p:cxnSp>
       <p:cxnSp>
         <p:nvCxnSpPr>
-          <p:cNvPr id="79" name="Straight Connector 78">
+          <p:cNvPr id="91" name="Straight Connector 90">
             <a:extLst>
               <a:ext uri="{FF2B5EF4-FFF2-40B4-BE49-F238E27FC236}">
-                <a16:creationId xmlns:a16="http://schemas.microsoft.com/office/drawing/2014/main" id="{455738CB-AE28-49A8-B2DF-C68F5D3CFE8E}"/>
+                <a16:creationId xmlns:a16="http://schemas.microsoft.com/office/drawing/2014/main" id="{A15A2E0E-57DF-4758-83B5-BEE3F77CD408}"/>
               </a:ext>
             </a:extLst>
           </p:cNvPr>
-          <p:cNvCxnSpPr>
-            <a:cxnSpLocks/>
-            <a:stCxn id="43" idx="1"/>
-            <a:endCxn id="44" idx="3"/>
-          </p:cNvCxnSpPr>
+          <p:cNvCxnSpPr/>
           <p:nvPr/>
         </p:nvCxnSpPr>
         <p:spPr>
-          <a:xfrm flipH="1">
-            <a:off x="4794741" y="6579751"/>
-            <a:ext cx="364935" cy="0"/>
+          <a:xfrm flipV="1">
+            <a:off x="9508301" y="3860919"/>
+            <a:ext cx="646087" cy="4818"/>
           </a:xfrm>
           <a:prstGeom prst="line">
             <a:avLst/>
@@ -5755,22 +5455,20 @@
       </p:cxnSp>
       <p:cxnSp>
         <p:nvCxnSpPr>
-          <p:cNvPr id="81" name="Straight Connector 80">
+          <p:cNvPr id="94" name="Straight Connector 93">
             <a:extLst>
               <a:ext uri="{FF2B5EF4-FFF2-40B4-BE49-F238E27FC236}">
-                <a16:creationId xmlns:a16="http://schemas.microsoft.com/office/drawing/2014/main" id="{020D732A-3E6F-4B42-A663-F9136E830045}"/>
+                <a16:creationId xmlns:a16="http://schemas.microsoft.com/office/drawing/2014/main" id="{2E5D5E75-BB37-4DFE-9CE7-A748A187C991}"/>
               </a:ext>
             </a:extLst>
           </p:cNvPr>
-          <p:cNvCxnSpPr>
-            <a:stCxn id="11" idx="1"/>
-          </p:cNvCxnSpPr>
+          <p:cNvCxnSpPr/>
           <p:nvPr/>
         </p:nvCxnSpPr>
         <p:spPr>
-          <a:xfrm flipH="1">
-            <a:off x="9698763" y="5279959"/>
-            <a:ext cx="535524" cy="0"/>
+          <a:xfrm flipV="1">
+            <a:off x="13022586" y="3860918"/>
+            <a:ext cx="646087" cy="4817"/>
           </a:xfrm>
           <a:prstGeom prst="line">
             <a:avLst/>
@@ -5793,23 +5491,20 @@
       </p:cxnSp>
       <p:cxnSp>
         <p:nvCxnSpPr>
-          <p:cNvPr id="83" name="Straight Connector 82">
+          <p:cNvPr id="96" name="Straight Connector 95">
             <a:extLst>
               <a:ext uri="{FF2B5EF4-FFF2-40B4-BE49-F238E27FC236}">
-                <a16:creationId xmlns:a16="http://schemas.microsoft.com/office/drawing/2014/main" id="{46544E8F-E5A0-42C0-9378-C249FED9ED47}"/>
+                <a16:creationId xmlns:a16="http://schemas.microsoft.com/office/drawing/2014/main" id="{EF973A6B-37F2-4FB0-85DE-AB05E7471D89}"/>
               </a:ext>
             </a:extLst>
           </p:cNvPr>
-          <p:cNvCxnSpPr>
-            <a:stCxn id="40" idx="1"/>
-            <a:endCxn id="41" idx="3"/>
-          </p:cNvCxnSpPr>
+          <p:cNvCxnSpPr/>
           <p:nvPr/>
         </p:nvCxnSpPr>
         <p:spPr>
-          <a:xfrm flipH="1">
-            <a:off x="7332651" y="5337794"/>
-            <a:ext cx="304664" cy="0"/>
+          <a:xfrm flipV="1">
+            <a:off x="13107758" y="5405985"/>
+            <a:ext cx="646087" cy="4817"/>
           </a:xfrm>
           <a:prstGeom prst="line">
             <a:avLst/>
@@ -5832,10 +5527,370 @@
       </p:cxnSp>
       <p:cxnSp>
         <p:nvCxnSpPr>
-          <p:cNvPr id="88" name="Connector: Elbow 87">
+          <p:cNvPr id="98" name="Straight Connector 97">
             <a:extLst>
               <a:ext uri="{FF2B5EF4-FFF2-40B4-BE49-F238E27FC236}">
-                <a16:creationId xmlns:a16="http://schemas.microsoft.com/office/drawing/2014/main" id="{02E19108-7E1C-440C-BFC5-EF670187E695}"/>
+                <a16:creationId xmlns:a16="http://schemas.microsoft.com/office/drawing/2014/main" id="{44E9A42E-C6E1-4C99-9E12-954F41C032A7}"/>
+              </a:ext>
+            </a:extLst>
+          </p:cNvPr>
+          <p:cNvCxnSpPr/>
+          <p:nvPr/>
+        </p:nvCxnSpPr>
+        <p:spPr>
+          <a:xfrm flipV="1">
+            <a:off x="9621796" y="5516862"/>
+            <a:ext cx="646087" cy="4818"/>
+          </a:xfrm>
+          <a:prstGeom prst="line">
+            <a:avLst/>
+          </a:prstGeom>
+        </p:spPr>
+        <p:style>
+          <a:lnRef idx="1">
+            <a:schemeClr val="accent1"/>
+          </a:lnRef>
+          <a:fillRef idx="0">
+            <a:schemeClr val="accent1"/>
+          </a:fillRef>
+          <a:effectRef idx="0">
+            <a:schemeClr val="accent1"/>
+          </a:effectRef>
+          <a:fontRef idx="minor">
+            <a:schemeClr val="tx1"/>
+          </a:fontRef>
+        </p:style>
+      </p:cxnSp>
+      <p:cxnSp>
+        <p:nvCxnSpPr>
+          <p:cNvPr id="102" name="Straight Connector 101">
+            <a:extLst>
+              <a:ext uri="{FF2B5EF4-FFF2-40B4-BE49-F238E27FC236}">
+                <a16:creationId xmlns:a16="http://schemas.microsoft.com/office/drawing/2014/main" id="{30268295-628C-4505-9250-25019E6489CE}"/>
+              </a:ext>
+            </a:extLst>
+          </p:cNvPr>
+          <p:cNvCxnSpPr/>
+          <p:nvPr/>
+        </p:nvCxnSpPr>
+        <p:spPr>
+          <a:xfrm flipV="1">
+            <a:off x="13086370" y="7007075"/>
+            <a:ext cx="646087" cy="4817"/>
+          </a:xfrm>
+          <a:prstGeom prst="line">
+            <a:avLst/>
+          </a:prstGeom>
+        </p:spPr>
+        <p:style>
+          <a:lnRef idx="1">
+            <a:schemeClr val="accent1"/>
+          </a:lnRef>
+          <a:fillRef idx="0">
+            <a:schemeClr val="accent1"/>
+          </a:fillRef>
+          <a:effectRef idx="0">
+            <a:schemeClr val="accent1"/>
+          </a:effectRef>
+          <a:fontRef idx="minor">
+            <a:schemeClr val="tx1"/>
+          </a:fontRef>
+        </p:style>
+      </p:cxnSp>
+      <p:cxnSp>
+        <p:nvCxnSpPr>
+          <p:cNvPr id="104" name="Straight Connector 103">
+            <a:extLst>
+              <a:ext uri="{FF2B5EF4-FFF2-40B4-BE49-F238E27FC236}">
+                <a16:creationId xmlns:a16="http://schemas.microsoft.com/office/drawing/2014/main" id="{2E48D311-1F7B-4E02-AD71-D487690D6422}"/>
+              </a:ext>
+            </a:extLst>
+          </p:cNvPr>
+          <p:cNvCxnSpPr/>
+          <p:nvPr/>
+        </p:nvCxnSpPr>
+        <p:spPr>
+          <a:xfrm flipV="1">
+            <a:off x="9322819" y="7097940"/>
+            <a:ext cx="646087" cy="4818"/>
+          </a:xfrm>
+          <a:prstGeom prst="line">
+            <a:avLst/>
+          </a:prstGeom>
+        </p:spPr>
+        <p:style>
+          <a:lnRef idx="1">
+            <a:schemeClr val="accent1"/>
+          </a:lnRef>
+          <a:fillRef idx="0">
+            <a:schemeClr val="accent1"/>
+          </a:fillRef>
+          <a:effectRef idx="0">
+            <a:schemeClr val="accent1"/>
+          </a:effectRef>
+          <a:fontRef idx="minor">
+            <a:schemeClr val="tx1"/>
+          </a:fontRef>
+        </p:style>
+      </p:cxnSp>
+      <p:cxnSp>
+        <p:nvCxnSpPr>
+          <p:cNvPr id="106" name="Straight Connector 105">
+            <a:extLst>
+              <a:ext uri="{FF2B5EF4-FFF2-40B4-BE49-F238E27FC236}">
+                <a16:creationId xmlns:a16="http://schemas.microsoft.com/office/drawing/2014/main" id="{B5E0C671-5773-4968-87C1-A2FD43AD7C2A}"/>
+              </a:ext>
+            </a:extLst>
+          </p:cNvPr>
+          <p:cNvCxnSpPr/>
+          <p:nvPr/>
+        </p:nvCxnSpPr>
+        <p:spPr>
+          <a:xfrm flipV="1">
+            <a:off x="6036009" y="7062940"/>
+            <a:ext cx="646087" cy="4818"/>
+          </a:xfrm>
+          <a:prstGeom prst="line">
+            <a:avLst/>
+          </a:prstGeom>
+        </p:spPr>
+        <p:style>
+          <a:lnRef idx="1">
+            <a:schemeClr val="accent1"/>
+          </a:lnRef>
+          <a:fillRef idx="0">
+            <a:schemeClr val="accent1"/>
+          </a:fillRef>
+          <a:effectRef idx="0">
+            <a:schemeClr val="accent1"/>
+          </a:effectRef>
+          <a:fontRef idx="minor">
+            <a:schemeClr val="tx1"/>
+          </a:fontRef>
+        </p:style>
+      </p:cxnSp>
+      <p:cxnSp>
+        <p:nvCxnSpPr>
+          <p:cNvPr id="108" name="Straight Connector 107">
+            <a:extLst>
+              <a:ext uri="{FF2B5EF4-FFF2-40B4-BE49-F238E27FC236}">
+                <a16:creationId xmlns:a16="http://schemas.microsoft.com/office/drawing/2014/main" id="{00B1803B-A23C-4C17-AAB4-2CCAA8C613A7}"/>
+              </a:ext>
+            </a:extLst>
+          </p:cNvPr>
+          <p:cNvCxnSpPr/>
+          <p:nvPr/>
+        </p:nvCxnSpPr>
+        <p:spPr>
+          <a:xfrm flipV="1">
+            <a:off x="13016466" y="8334610"/>
+            <a:ext cx="646087" cy="4817"/>
+          </a:xfrm>
+          <a:prstGeom prst="line">
+            <a:avLst/>
+          </a:prstGeom>
+        </p:spPr>
+        <p:style>
+          <a:lnRef idx="1">
+            <a:schemeClr val="accent1"/>
+          </a:lnRef>
+          <a:fillRef idx="0">
+            <a:schemeClr val="accent1"/>
+          </a:fillRef>
+          <a:effectRef idx="0">
+            <a:schemeClr val="accent1"/>
+          </a:effectRef>
+          <a:fontRef idx="minor">
+            <a:schemeClr val="tx1"/>
+          </a:fontRef>
+        </p:style>
+      </p:cxnSp>
+      <p:cxnSp>
+        <p:nvCxnSpPr>
+          <p:cNvPr id="110" name="Straight Connector 109">
+            <a:extLst>
+              <a:ext uri="{FF2B5EF4-FFF2-40B4-BE49-F238E27FC236}">
+                <a16:creationId xmlns:a16="http://schemas.microsoft.com/office/drawing/2014/main" id="{336F957F-7E6A-46EC-ABC0-BC284AC4CFB3}"/>
+              </a:ext>
+            </a:extLst>
+          </p:cNvPr>
+          <p:cNvCxnSpPr/>
+          <p:nvPr/>
+        </p:nvCxnSpPr>
+        <p:spPr>
+          <a:xfrm flipV="1">
+            <a:off x="10841839" y="8295378"/>
+            <a:ext cx="646087" cy="4818"/>
+          </a:xfrm>
+          <a:prstGeom prst="line">
+            <a:avLst/>
+          </a:prstGeom>
+        </p:spPr>
+        <p:style>
+          <a:lnRef idx="1">
+            <a:schemeClr val="accent1"/>
+          </a:lnRef>
+          <a:fillRef idx="0">
+            <a:schemeClr val="accent1"/>
+          </a:fillRef>
+          <a:effectRef idx="0">
+            <a:schemeClr val="accent1"/>
+          </a:effectRef>
+          <a:fontRef idx="minor">
+            <a:schemeClr val="tx1"/>
+          </a:fontRef>
+        </p:style>
+      </p:cxnSp>
+      <p:cxnSp>
+        <p:nvCxnSpPr>
+          <p:cNvPr id="112" name="Straight Connector 111">
+            <a:extLst>
+              <a:ext uri="{FF2B5EF4-FFF2-40B4-BE49-F238E27FC236}">
+                <a16:creationId xmlns:a16="http://schemas.microsoft.com/office/drawing/2014/main" id="{294EDCEA-4FD8-42E1-9A95-AB8E55A663B3}"/>
+              </a:ext>
+            </a:extLst>
+          </p:cNvPr>
+          <p:cNvCxnSpPr/>
+          <p:nvPr/>
+        </p:nvCxnSpPr>
+        <p:spPr>
+          <a:xfrm flipV="1">
+            <a:off x="8447739" y="8304321"/>
+            <a:ext cx="646087" cy="4818"/>
+          </a:xfrm>
+          <a:prstGeom prst="line">
+            <a:avLst/>
+          </a:prstGeom>
+        </p:spPr>
+        <p:style>
+          <a:lnRef idx="1">
+            <a:schemeClr val="accent1"/>
+          </a:lnRef>
+          <a:fillRef idx="0">
+            <a:schemeClr val="accent1"/>
+          </a:fillRef>
+          <a:effectRef idx="0">
+            <a:schemeClr val="accent1"/>
+          </a:effectRef>
+          <a:fontRef idx="minor">
+            <a:schemeClr val="tx1"/>
+          </a:fontRef>
+        </p:style>
+      </p:cxnSp>
+      <p:cxnSp>
+        <p:nvCxnSpPr>
+          <p:cNvPr id="114" name="Straight Connector 113">
+            <a:extLst>
+              <a:ext uri="{FF2B5EF4-FFF2-40B4-BE49-F238E27FC236}">
+                <a16:creationId xmlns:a16="http://schemas.microsoft.com/office/drawing/2014/main" id="{CF33F3A9-6E37-45C2-BC50-AF1298A1BE41}"/>
+              </a:ext>
+            </a:extLst>
+          </p:cNvPr>
+          <p:cNvCxnSpPr/>
+          <p:nvPr/>
+        </p:nvCxnSpPr>
+        <p:spPr>
+          <a:xfrm flipV="1">
+            <a:off x="6327125" y="8334612"/>
+            <a:ext cx="646087" cy="4818"/>
+          </a:xfrm>
+          <a:prstGeom prst="line">
+            <a:avLst/>
+          </a:prstGeom>
+        </p:spPr>
+        <p:style>
+          <a:lnRef idx="1">
+            <a:schemeClr val="accent1"/>
+          </a:lnRef>
+          <a:fillRef idx="0">
+            <a:schemeClr val="accent1"/>
+          </a:fillRef>
+          <a:effectRef idx="0">
+            <a:schemeClr val="accent1"/>
+          </a:effectRef>
+          <a:fontRef idx="minor">
+            <a:schemeClr val="tx1"/>
+          </a:fontRef>
+        </p:style>
+      </p:cxnSp>
+      <p:cxnSp>
+        <p:nvCxnSpPr>
+          <p:cNvPr id="115" name="Straight Connector 114">
+            <a:extLst>
+              <a:ext uri="{FF2B5EF4-FFF2-40B4-BE49-F238E27FC236}">
+                <a16:creationId xmlns:a16="http://schemas.microsoft.com/office/drawing/2014/main" id="{B2D673CA-5CF9-41D4-84B0-4795D727EA14}"/>
+              </a:ext>
+            </a:extLst>
+          </p:cNvPr>
+          <p:cNvCxnSpPr/>
+          <p:nvPr/>
+        </p:nvCxnSpPr>
+        <p:spPr>
+          <a:xfrm flipV="1">
+            <a:off x="12965657" y="9814476"/>
+            <a:ext cx="646087" cy="4817"/>
+          </a:xfrm>
+          <a:prstGeom prst="line">
+            <a:avLst/>
+          </a:prstGeom>
+        </p:spPr>
+        <p:style>
+          <a:lnRef idx="1">
+            <a:schemeClr val="accent1"/>
+          </a:lnRef>
+          <a:fillRef idx="0">
+            <a:schemeClr val="accent1"/>
+          </a:fillRef>
+          <a:effectRef idx="0">
+            <a:schemeClr val="accent1"/>
+          </a:effectRef>
+          <a:fontRef idx="minor">
+            <a:schemeClr val="tx1"/>
+          </a:fontRef>
+        </p:style>
+      </p:cxnSp>
+      <p:cxnSp>
+        <p:nvCxnSpPr>
+          <p:cNvPr id="116" name="Straight Connector 115">
+            <a:extLst>
+              <a:ext uri="{FF2B5EF4-FFF2-40B4-BE49-F238E27FC236}">
+                <a16:creationId xmlns:a16="http://schemas.microsoft.com/office/drawing/2014/main" id="{4EA103AF-5EC1-4F25-8EFF-3A75BED60E06}"/>
+              </a:ext>
+            </a:extLst>
+          </p:cNvPr>
+          <p:cNvCxnSpPr/>
+          <p:nvPr/>
+        </p:nvCxnSpPr>
+        <p:spPr>
+          <a:xfrm flipV="1">
+            <a:off x="5845197" y="9786172"/>
+            <a:ext cx="646087" cy="4817"/>
+          </a:xfrm>
+          <a:prstGeom prst="line">
+            <a:avLst/>
+          </a:prstGeom>
+        </p:spPr>
+        <p:style>
+          <a:lnRef idx="1">
+            <a:schemeClr val="accent1"/>
+          </a:lnRef>
+          <a:fillRef idx="0">
+            <a:schemeClr val="accent1"/>
+          </a:fillRef>
+          <a:effectRef idx="0">
+            <a:schemeClr val="accent1"/>
+          </a:effectRef>
+          <a:fontRef idx="minor">
+            <a:schemeClr val="tx1"/>
+          </a:fontRef>
+        </p:style>
+      </p:cxnSp>
+      <p:cxnSp>
+        <p:nvCxnSpPr>
+          <p:cNvPr id="117" name="Straight Connector 116">
+            <a:extLst>
+              <a:ext uri="{FF2B5EF4-FFF2-40B4-BE49-F238E27FC236}">
+                <a16:creationId xmlns:a16="http://schemas.microsoft.com/office/drawing/2014/main" id="{2B2472AC-ADED-44F5-822D-1B5385DB87C9}"/>
               </a:ext>
             </a:extLst>
           </p:cNvPr>
@@ -5845,16 +5900,13 @@
           <p:nvPr/>
         </p:nvCxnSpPr>
         <p:spPr>
-          <a:xfrm rot="10800000" flipV="1">
-            <a:off x="9866413" y="7665324"/>
-            <a:ext cx="389357" cy="1098490"/>
-          </a:xfrm>
-          <a:prstGeom prst="bentConnector3">
-            <a:avLst/>
-          </a:prstGeom>
-          <a:ln>
-            <a:tailEnd type="triangle"/>
-          </a:ln>
+          <a:xfrm flipV="1">
+            <a:off x="9381131" y="9814476"/>
+            <a:ext cx="646087" cy="4817"/>
+          </a:xfrm>
+          <a:prstGeom prst="line">
+            <a:avLst/>
+          </a:prstGeom>
         </p:spPr>
         <p:style>
           <a:lnRef idx="1">
@@ -5873,30 +5925,26 @@
       </p:cxnSp>
       <p:cxnSp>
         <p:nvCxnSpPr>
-          <p:cNvPr id="92" name="Straight Arrow Connector 91">
+          <p:cNvPr id="118" name="Straight Connector 117">
             <a:extLst>
               <a:ext uri="{FF2B5EF4-FFF2-40B4-BE49-F238E27FC236}">
-                <a16:creationId xmlns:a16="http://schemas.microsoft.com/office/drawing/2014/main" id="{3F3A9164-A8DD-40D4-8372-D3E0AA591B2A}"/>
+                <a16:creationId xmlns:a16="http://schemas.microsoft.com/office/drawing/2014/main" id="{E6863C3B-86FD-4708-8B57-1C88DEBA7B4F}"/>
               </a:ext>
             </a:extLst>
           </p:cNvPr>
           <p:cNvCxnSpPr>
             <a:cxnSpLocks/>
-            <a:stCxn id="13" idx="1"/>
           </p:cNvCxnSpPr>
           <p:nvPr/>
         </p:nvCxnSpPr>
         <p:spPr>
-          <a:xfrm flipH="1" flipV="1">
-            <a:off x="9698763" y="7409673"/>
-            <a:ext cx="535523" cy="18716"/>
-          </a:xfrm>
-          <a:prstGeom prst="straightConnector1">
-            <a:avLst/>
-          </a:prstGeom>
-          <a:ln>
-            <a:tailEnd type="triangle"/>
-          </a:ln>
+          <a:xfrm flipH="1">
+            <a:off x="15076937" y="1142659"/>
+            <a:ext cx="4" cy="721077"/>
+          </a:xfrm>
+          <a:prstGeom prst="line">
+            <a:avLst/>
+          </a:prstGeom>
         </p:spPr>
         <p:style>
           <a:lnRef idx="1">
@@ -5915,370 +5963,22 @@
       </p:cxnSp>
       <p:cxnSp>
         <p:nvCxnSpPr>
-          <p:cNvPr id="95" name="Straight Connector 94">
+          <p:cNvPr id="119" name="Straight Connector 118">
             <a:extLst>
               <a:ext uri="{FF2B5EF4-FFF2-40B4-BE49-F238E27FC236}">
-                <a16:creationId xmlns:a16="http://schemas.microsoft.com/office/drawing/2014/main" id="{BBBCEB29-E638-49D3-8DE6-417BD73C940F}"/>
-              </a:ext>
-            </a:extLst>
-          </p:cNvPr>
-          <p:cNvCxnSpPr>
-            <a:stCxn id="45" idx="1"/>
-            <a:endCxn id="46" idx="3"/>
-          </p:cNvCxnSpPr>
-          <p:nvPr/>
-        </p:nvCxnSpPr>
-        <p:spPr>
-          <a:xfrm flipH="1" flipV="1">
-            <a:off x="8267460" y="7691236"/>
-            <a:ext cx="249792" cy="10731"/>
-          </a:xfrm>
-          <a:prstGeom prst="line">
-            <a:avLst/>
-          </a:prstGeom>
-        </p:spPr>
-        <p:style>
-          <a:lnRef idx="1">
-            <a:schemeClr val="accent1"/>
-          </a:lnRef>
-          <a:fillRef idx="0">
-            <a:schemeClr val="accent1"/>
-          </a:fillRef>
-          <a:effectRef idx="0">
-            <a:schemeClr val="accent1"/>
-          </a:effectRef>
-          <a:fontRef idx="minor">
-            <a:schemeClr val="tx1"/>
-          </a:fontRef>
-        </p:style>
-      </p:cxnSp>
-      <p:cxnSp>
-        <p:nvCxnSpPr>
-          <p:cNvPr id="97" name="Straight Connector 96">
-            <a:extLst>
-              <a:ext uri="{FF2B5EF4-FFF2-40B4-BE49-F238E27FC236}">
-                <a16:creationId xmlns:a16="http://schemas.microsoft.com/office/drawing/2014/main" id="{6DB40514-6CA8-41C6-8C5D-7621B43E8D3F}"/>
-              </a:ext>
-            </a:extLst>
-          </p:cNvPr>
-          <p:cNvCxnSpPr>
-            <a:stCxn id="46" idx="1"/>
-            <a:endCxn id="47" idx="3"/>
-          </p:cNvCxnSpPr>
-          <p:nvPr/>
-        </p:nvCxnSpPr>
-        <p:spPr>
-          <a:xfrm flipH="1" flipV="1">
-            <a:off x="6727104" y="7688437"/>
-            <a:ext cx="332634" cy="2799"/>
-          </a:xfrm>
-          <a:prstGeom prst="line">
-            <a:avLst/>
-          </a:prstGeom>
-        </p:spPr>
-        <p:style>
-          <a:lnRef idx="1">
-            <a:schemeClr val="accent1"/>
-          </a:lnRef>
-          <a:fillRef idx="0">
-            <a:schemeClr val="accent1"/>
-          </a:fillRef>
-          <a:effectRef idx="0">
-            <a:schemeClr val="accent1"/>
-          </a:effectRef>
-          <a:fontRef idx="minor">
-            <a:schemeClr val="tx1"/>
-          </a:fontRef>
-        </p:style>
-      </p:cxnSp>
-      <p:cxnSp>
-        <p:nvCxnSpPr>
-          <p:cNvPr id="99" name="Straight Connector 98">
-            <a:extLst>
-              <a:ext uri="{FF2B5EF4-FFF2-40B4-BE49-F238E27FC236}">
-                <a16:creationId xmlns:a16="http://schemas.microsoft.com/office/drawing/2014/main" id="{06A56DF8-760C-47E6-9174-983409324807}"/>
-              </a:ext>
-            </a:extLst>
-          </p:cNvPr>
-          <p:cNvCxnSpPr>
-            <a:stCxn id="47" idx="1"/>
-            <a:endCxn id="48" idx="3"/>
-          </p:cNvCxnSpPr>
-          <p:nvPr/>
-        </p:nvCxnSpPr>
-        <p:spPr>
-          <a:xfrm flipH="1">
-            <a:off x="5163282" y="7688437"/>
-            <a:ext cx="289936" cy="16437"/>
-          </a:xfrm>
-          <a:prstGeom prst="line">
-            <a:avLst/>
-          </a:prstGeom>
-        </p:spPr>
-        <p:style>
-          <a:lnRef idx="1">
-            <a:schemeClr val="accent1"/>
-          </a:lnRef>
-          <a:fillRef idx="0">
-            <a:schemeClr val="accent1"/>
-          </a:fillRef>
-          <a:effectRef idx="0">
-            <a:schemeClr val="accent1"/>
-          </a:effectRef>
-          <a:fontRef idx="minor">
-            <a:schemeClr val="tx1"/>
-          </a:fontRef>
-        </p:style>
-      </p:cxnSp>
-      <p:cxnSp>
-        <p:nvCxnSpPr>
-          <p:cNvPr id="101" name="Straight Connector 100">
-            <a:extLst>
-              <a:ext uri="{FF2B5EF4-FFF2-40B4-BE49-F238E27FC236}">
-                <a16:creationId xmlns:a16="http://schemas.microsoft.com/office/drawing/2014/main" id="{DA9B0555-AC39-44A0-AFC6-E0958B64E248}"/>
+                <a16:creationId xmlns:a16="http://schemas.microsoft.com/office/drawing/2014/main" id="{667DC1DF-A8A7-47A9-9412-B298E018BCD1}"/>
               </a:ext>
             </a:extLst>
           </p:cNvPr>
           <p:cNvCxnSpPr>
             <a:cxnSpLocks/>
-            <a:endCxn id="49" idx="3"/>
           </p:cNvCxnSpPr>
           <p:nvPr/>
         </p:nvCxnSpPr>
         <p:spPr>
           <a:xfrm flipH="1">
-            <a:off x="3698796" y="7665324"/>
-            <a:ext cx="332634" cy="16009"/>
-          </a:xfrm>
-          <a:prstGeom prst="line">
-            <a:avLst/>
-          </a:prstGeom>
-        </p:spPr>
-        <p:style>
-          <a:lnRef idx="1">
-            <a:schemeClr val="accent1"/>
-          </a:lnRef>
-          <a:fillRef idx="0">
-            <a:schemeClr val="accent1"/>
-          </a:fillRef>
-          <a:effectRef idx="0">
-            <a:schemeClr val="accent1"/>
-          </a:effectRef>
-          <a:fontRef idx="minor">
-            <a:schemeClr val="tx1"/>
-          </a:fontRef>
-        </p:style>
-      </p:cxnSp>
-      <p:cxnSp>
-        <p:nvCxnSpPr>
-          <p:cNvPr id="103" name="Straight Connector 102">
-            <a:extLst>
-              <a:ext uri="{FF2B5EF4-FFF2-40B4-BE49-F238E27FC236}">
-                <a16:creationId xmlns:a16="http://schemas.microsoft.com/office/drawing/2014/main" id="{374E65D3-E81A-4E92-BFBA-1FD387EAA9C3}"/>
-              </a:ext>
-            </a:extLst>
-          </p:cNvPr>
-          <p:cNvCxnSpPr>
-            <a:cxnSpLocks/>
-            <a:stCxn id="49" idx="1"/>
-            <a:endCxn id="56" idx="3"/>
-          </p:cNvCxnSpPr>
-          <p:nvPr/>
-        </p:nvCxnSpPr>
-        <p:spPr>
-          <a:xfrm flipH="1" flipV="1">
-            <a:off x="2122644" y="7665324"/>
-            <a:ext cx="267606" cy="16009"/>
-          </a:xfrm>
-          <a:prstGeom prst="line">
-            <a:avLst/>
-          </a:prstGeom>
-        </p:spPr>
-        <p:style>
-          <a:lnRef idx="1">
-            <a:schemeClr val="accent1"/>
-          </a:lnRef>
-          <a:fillRef idx="0">
-            <a:schemeClr val="accent1"/>
-          </a:fillRef>
-          <a:effectRef idx="0">
-            <a:schemeClr val="accent1"/>
-          </a:effectRef>
-          <a:fontRef idx="minor">
-            <a:schemeClr val="tx1"/>
-          </a:fontRef>
-        </p:style>
-      </p:cxnSp>
-      <p:cxnSp>
-        <p:nvCxnSpPr>
-          <p:cNvPr id="105" name="Straight Connector 104">
-            <a:extLst>
-              <a:ext uri="{FF2B5EF4-FFF2-40B4-BE49-F238E27FC236}">
-                <a16:creationId xmlns:a16="http://schemas.microsoft.com/office/drawing/2014/main" id="{E4004698-ECC7-46C8-BC5A-C6648A21F383}"/>
-              </a:ext>
-            </a:extLst>
-          </p:cNvPr>
-          <p:cNvCxnSpPr>
-            <a:stCxn id="52" idx="1"/>
-            <a:endCxn id="53" idx="3"/>
-          </p:cNvCxnSpPr>
-          <p:nvPr/>
-        </p:nvCxnSpPr>
-        <p:spPr>
-          <a:xfrm flipH="1">
-            <a:off x="8345965" y="8526879"/>
-            <a:ext cx="232062" cy="22650"/>
-          </a:xfrm>
-          <a:prstGeom prst="line">
-            <a:avLst/>
-          </a:prstGeom>
-        </p:spPr>
-        <p:style>
-          <a:lnRef idx="1">
-            <a:schemeClr val="accent1"/>
-          </a:lnRef>
-          <a:fillRef idx="0">
-            <a:schemeClr val="accent1"/>
-          </a:fillRef>
-          <a:effectRef idx="0">
-            <a:schemeClr val="accent1"/>
-          </a:effectRef>
-          <a:fontRef idx="minor">
-            <a:schemeClr val="tx1"/>
-          </a:fontRef>
-        </p:style>
-      </p:cxnSp>
-      <p:cxnSp>
-        <p:nvCxnSpPr>
-          <p:cNvPr id="107" name="Straight Connector 106">
-            <a:extLst>
-              <a:ext uri="{FF2B5EF4-FFF2-40B4-BE49-F238E27FC236}">
-                <a16:creationId xmlns:a16="http://schemas.microsoft.com/office/drawing/2014/main" id="{48789BD8-225D-44B8-B9D8-6AD077CAF9A1}"/>
-              </a:ext>
-            </a:extLst>
-          </p:cNvPr>
-          <p:cNvCxnSpPr/>
-          <p:nvPr/>
-        </p:nvCxnSpPr>
-        <p:spPr>
-          <a:xfrm flipH="1">
-            <a:off x="6400800" y="8444691"/>
-            <a:ext cx="571703" cy="0"/>
-          </a:xfrm>
-          <a:prstGeom prst="line">
-            <a:avLst/>
-          </a:prstGeom>
-        </p:spPr>
-        <p:style>
-          <a:lnRef idx="1">
-            <a:schemeClr val="accent1"/>
-          </a:lnRef>
-          <a:fillRef idx="0">
-            <a:schemeClr val="accent1"/>
-          </a:fillRef>
-          <a:effectRef idx="0">
-            <a:schemeClr val="accent1"/>
-          </a:effectRef>
-          <a:fontRef idx="minor">
-            <a:schemeClr val="tx1"/>
-          </a:fontRef>
-        </p:style>
-      </p:cxnSp>
-      <p:cxnSp>
-        <p:nvCxnSpPr>
-          <p:cNvPr id="109" name="Straight Connector 108">
-            <a:extLst>
-              <a:ext uri="{FF2B5EF4-FFF2-40B4-BE49-F238E27FC236}">
-                <a16:creationId xmlns:a16="http://schemas.microsoft.com/office/drawing/2014/main" id="{C1E3EF4A-5B43-4B2E-A865-4656562B3C49}"/>
-              </a:ext>
-            </a:extLst>
-          </p:cNvPr>
-          <p:cNvCxnSpPr>
-            <a:stCxn id="54" idx="1"/>
-            <a:endCxn id="55" idx="3"/>
-          </p:cNvCxnSpPr>
-          <p:nvPr/>
-        </p:nvCxnSpPr>
-        <p:spPr>
-          <a:xfrm flipH="1">
-            <a:off x="5106733" y="8549528"/>
-            <a:ext cx="196263" cy="11696"/>
-          </a:xfrm>
-          <a:prstGeom prst="line">
-            <a:avLst/>
-          </a:prstGeom>
-        </p:spPr>
-        <p:style>
-          <a:lnRef idx="1">
-            <a:schemeClr val="accent1"/>
-          </a:lnRef>
-          <a:fillRef idx="0">
-            <a:schemeClr val="accent1"/>
-          </a:fillRef>
-          <a:effectRef idx="0">
-            <a:schemeClr val="accent1"/>
-          </a:effectRef>
-          <a:fontRef idx="minor">
-            <a:schemeClr val="tx1"/>
-          </a:fontRef>
-        </p:style>
-      </p:cxnSp>
-      <p:cxnSp>
-        <p:nvCxnSpPr>
-          <p:cNvPr id="111" name="Straight Connector 110">
-            <a:extLst>
-              <a:ext uri="{FF2B5EF4-FFF2-40B4-BE49-F238E27FC236}">
-                <a16:creationId xmlns:a16="http://schemas.microsoft.com/office/drawing/2014/main" id="{A311E80F-A925-4BF9-8F21-FC93519D39D2}"/>
-              </a:ext>
-            </a:extLst>
-          </p:cNvPr>
-          <p:cNvCxnSpPr>
-            <a:stCxn id="55" idx="1"/>
-          </p:cNvCxnSpPr>
-          <p:nvPr/>
-        </p:nvCxnSpPr>
-        <p:spPr>
-          <a:xfrm flipH="1">
-            <a:off x="3119717" y="8561224"/>
-            <a:ext cx="769678" cy="0"/>
-          </a:xfrm>
-          <a:prstGeom prst="line">
-            <a:avLst/>
-          </a:prstGeom>
-        </p:spPr>
-        <p:style>
-          <a:lnRef idx="1">
-            <a:schemeClr val="accent1"/>
-          </a:lnRef>
-          <a:fillRef idx="0">
-            <a:schemeClr val="accent1"/>
-          </a:fillRef>
-          <a:effectRef idx="0">
-            <a:schemeClr val="accent1"/>
-          </a:effectRef>
-          <a:fontRef idx="minor">
-            <a:schemeClr val="tx1"/>
-          </a:fontRef>
-        </p:style>
-      </p:cxnSp>
-      <p:cxnSp>
-        <p:nvCxnSpPr>
-          <p:cNvPr id="113" name="Straight Connector 112">
-            <a:extLst>
-              <a:ext uri="{FF2B5EF4-FFF2-40B4-BE49-F238E27FC236}">
-                <a16:creationId xmlns:a16="http://schemas.microsoft.com/office/drawing/2014/main" id="{BF2FDDE6-F348-4223-9E57-B81A1CA2E4AC}"/>
-              </a:ext>
-            </a:extLst>
-          </p:cNvPr>
-          <p:cNvCxnSpPr>
-            <a:stCxn id="50" idx="1"/>
-          </p:cNvCxnSpPr>
-          <p:nvPr/>
-        </p:nvCxnSpPr>
-        <p:spPr>
-          <a:xfrm flipH="1">
-            <a:off x="2209624" y="8550270"/>
-            <a:ext cx="302451" cy="10954"/>
+            <a:off x="15076937" y="10072942"/>
+            <a:ext cx="4" cy="721077"/>
           </a:xfrm>
           <a:prstGeom prst="line">
             <a:avLst/>
